--- a/doc/apresentacao_entrega_2/slides_apresentacao_2 PI.pptx
+++ b/doc/apresentacao_entrega_2/slides_apresentacao_2 PI.pptx
@@ -1088,13 +1088,6 @@
         </dgm:presLayoutVars>
       </dgm:prSet>
       <dgm:spPr/>
-      <dgm:t>
-        <a:bodyPr/>
-        <a:lstStyle/>
-        <a:p>
-          <a:endParaRPr lang="pt-BR"/>
-        </a:p>
-      </dgm:t>
     </dgm:pt>
     <dgm:pt modelId="{4C122D74-1DD8-441D-B3D0-8FE6C91F3CB2}" type="pres">
       <dgm:prSet presAssocID="{917278CF-903E-4E77-B6CF-0EBB3BBCCFBB}" presName="spacer" presStyleCnt="0"/>
@@ -1108,13 +1101,6 @@
         </dgm:presLayoutVars>
       </dgm:prSet>
       <dgm:spPr/>
-      <dgm:t>
-        <a:bodyPr/>
-        <a:lstStyle/>
-        <a:p>
-          <a:endParaRPr lang="pt-BR"/>
-        </a:p>
-      </dgm:t>
     </dgm:pt>
     <dgm:pt modelId="{542A7BAE-8ACA-41DC-A1C4-E7D57DE9EE95}" type="pres">
       <dgm:prSet presAssocID="{B4161E13-CF71-498E-BDB4-4648F1490B04}" presName="spacer" presStyleCnt="0"/>
@@ -1128,13 +1114,6 @@
         </dgm:presLayoutVars>
       </dgm:prSet>
       <dgm:spPr/>
-      <dgm:t>
-        <a:bodyPr/>
-        <a:lstStyle/>
-        <a:p>
-          <a:endParaRPr lang="pt-BR"/>
-        </a:p>
-      </dgm:t>
     </dgm:pt>
     <dgm:pt modelId="{BD6ACFBF-7962-4214-B7AF-CAAA225DF19F}" type="pres">
       <dgm:prSet presAssocID="{60FFCA5D-1724-4C8B-80DC-1598641A6447}" presName="spacer" presStyleCnt="0"/>
@@ -1151,15 +1130,15 @@
     </dgm:pt>
   </dgm:ptLst>
   <dgm:cxnLst>
+    <dgm:cxn modelId="{FE03F00E-F5E4-4BE5-8BD5-6F5024BE3A1A}" srcId="{B82EC5ED-DA16-493E-852C-08D53486CBF9}" destId="{1472F55A-CB24-4C33-B03F-770A05E88852}" srcOrd="3" destOrd="0" parTransId="{A2CFD9A7-099C-463C-B06B-D5FC06A83EAE}" sibTransId="{E4E878ED-3D0A-404F-ACFB-7E007E6B69FF}"/>
     <dgm:cxn modelId="{A8476B23-1D35-4878-88CD-8910914C6C93}" type="presOf" srcId="{749F1CA8-971B-4461-91E7-381B7C579739}" destId="{DE95F1B8-5562-4497-B1D5-484A04FE2457}" srcOrd="0" destOrd="0" presId="urn:microsoft.com/office/officeart/2005/8/layout/vList2"/>
+    <dgm:cxn modelId="{73DB0C28-6110-4062-B937-876F02530C6D}" srcId="{B82EC5ED-DA16-493E-852C-08D53486CBF9}" destId="{1E26326A-EB92-4CAD-BA63-32BB41BD621D}" srcOrd="0" destOrd="0" parTransId="{750F1A02-FA9E-4C2A-BBFC-35F031882C4B}" sibTransId="{917278CF-903E-4E77-B6CF-0EBB3BBCCFBB}"/>
     <dgm:cxn modelId="{77D0123A-4A6C-415F-A850-C1D3396F4938}" type="presOf" srcId="{1472F55A-CB24-4C33-B03F-770A05E88852}" destId="{3CFDD02A-31A9-42E6-84B6-DF555EDEA7EB}" srcOrd="0" destOrd="0" presId="urn:microsoft.com/office/officeart/2005/8/layout/vList2"/>
+    <dgm:cxn modelId="{35185893-6582-48D3-A9EC-A2937D12F5B9}" srcId="{B82EC5ED-DA16-493E-852C-08D53486CBF9}" destId="{F0CB05F2-B886-413D-B3D6-9DD86B719535}" srcOrd="2" destOrd="0" parTransId="{5177E63D-E555-450E-85C7-A45828CC7A7F}" sibTransId="{60FFCA5D-1724-4C8B-80DC-1598641A6447}"/>
+    <dgm:cxn modelId="{6C3E92AF-0473-4DA0-A934-9651AD9AEF15}" type="presOf" srcId="{F0CB05F2-B886-413D-B3D6-9DD86B719535}" destId="{12E59804-5261-4B67-A5D8-632673D7BB3F}" srcOrd="0" destOrd="0" presId="urn:microsoft.com/office/officeart/2005/8/layout/vList2"/>
+    <dgm:cxn modelId="{6ABFCCB5-038B-4562-8A37-5E668FA13CEF}" type="presOf" srcId="{1E26326A-EB92-4CAD-BA63-32BB41BD621D}" destId="{5E334B42-A36F-451E-A753-B89E1D13FC36}" srcOrd="0" destOrd="0" presId="urn:microsoft.com/office/officeart/2005/8/layout/vList2"/>
     <dgm:cxn modelId="{EE591BF2-CBB2-4C32-841C-4C990D478E08}" srcId="{B82EC5ED-DA16-493E-852C-08D53486CBF9}" destId="{749F1CA8-971B-4461-91E7-381B7C579739}" srcOrd="1" destOrd="0" parTransId="{3075D67A-AC6A-4390-BEB9-102765829EA0}" sibTransId="{B4161E13-CF71-498E-BDB4-4648F1490B04}"/>
-    <dgm:cxn modelId="{6C3E92AF-0473-4DA0-A934-9651AD9AEF15}" type="presOf" srcId="{F0CB05F2-B886-413D-B3D6-9DD86B719535}" destId="{12E59804-5261-4B67-A5D8-632673D7BB3F}" srcOrd="0" destOrd="0" presId="urn:microsoft.com/office/officeart/2005/8/layout/vList2"/>
     <dgm:cxn modelId="{E81940FC-BF7A-432E-AA8C-694B399819C8}" type="presOf" srcId="{B82EC5ED-DA16-493E-852C-08D53486CBF9}" destId="{F546F5FA-662F-4D48-91C5-F244055FCC1E}" srcOrd="0" destOrd="0" presId="urn:microsoft.com/office/officeart/2005/8/layout/vList2"/>
-    <dgm:cxn modelId="{6ABFCCB5-038B-4562-8A37-5E668FA13CEF}" type="presOf" srcId="{1E26326A-EB92-4CAD-BA63-32BB41BD621D}" destId="{5E334B42-A36F-451E-A753-B89E1D13FC36}" srcOrd="0" destOrd="0" presId="urn:microsoft.com/office/officeart/2005/8/layout/vList2"/>
-    <dgm:cxn modelId="{FE03F00E-F5E4-4BE5-8BD5-6F5024BE3A1A}" srcId="{B82EC5ED-DA16-493E-852C-08D53486CBF9}" destId="{1472F55A-CB24-4C33-B03F-770A05E88852}" srcOrd="3" destOrd="0" parTransId="{A2CFD9A7-099C-463C-B06B-D5FC06A83EAE}" sibTransId="{E4E878ED-3D0A-404F-ACFB-7E007E6B69FF}"/>
-    <dgm:cxn modelId="{73DB0C28-6110-4062-B937-876F02530C6D}" srcId="{B82EC5ED-DA16-493E-852C-08D53486CBF9}" destId="{1E26326A-EB92-4CAD-BA63-32BB41BD621D}" srcOrd="0" destOrd="0" parTransId="{750F1A02-FA9E-4C2A-BBFC-35F031882C4B}" sibTransId="{917278CF-903E-4E77-B6CF-0EBB3BBCCFBB}"/>
-    <dgm:cxn modelId="{35185893-6582-48D3-A9EC-A2937D12F5B9}" srcId="{B82EC5ED-DA16-493E-852C-08D53486CBF9}" destId="{F0CB05F2-B886-413D-B3D6-9DD86B719535}" srcOrd="2" destOrd="0" parTransId="{5177E63D-E555-450E-85C7-A45828CC7A7F}" sibTransId="{60FFCA5D-1724-4C8B-80DC-1598641A6447}"/>
     <dgm:cxn modelId="{D508230D-34EE-469E-B5B7-7B80D19FD36E}" type="presParOf" srcId="{F546F5FA-662F-4D48-91C5-F244055FCC1E}" destId="{5E334B42-A36F-451E-A753-B89E1D13FC36}" srcOrd="0" destOrd="0" presId="urn:microsoft.com/office/officeart/2005/8/layout/vList2"/>
     <dgm:cxn modelId="{2F95ED1F-2F46-4FEE-A9B8-B7E2331E91DF}" type="presParOf" srcId="{F546F5FA-662F-4D48-91C5-F244055FCC1E}" destId="{4C122D74-1DD8-441D-B3D0-8FE6C91F3CB2}" srcOrd="1" destOrd="0" presId="urn:microsoft.com/office/officeart/2005/8/layout/vList2"/>
     <dgm:cxn modelId="{6B12F54D-C38C-4784-B868-176B7A98A76A}" type="presParOf" srcId="{F546F5FA-662F-4D48-91C5-F244055FCC1E}" destId="{DE95F1B8-5562-4497-B1D5-484A04FE2457}" srcOrd="2" destOrd="0" presId="urn:microsoft.com/office/officeart/2005/8/layout/vList2"/>
@@ -1242,7 +1221,7 @@
         </a:bodyPr>
         <a:lstStyle/>
         <a:p>
-          <a:pPr lvl="0" algn="l" defTabSz="2489200">
+          <a:pPr marL="0" lvl="0" indent="0" algn="l" defTabSz="2489200">
             <a:lnSpc>
               <a:spcPct val="90000"/>
             </a:lnSpc>
@@ -1252,6 +1231,7 @@
             <a:spcAft>
               <a:spcPct val="35000"/>
             </a:spcAft>
+            <a:buNone/>
           </a:pPr>
           <a:endParaRPr lang="pt-BR" sz="5600" kern="1200" dirty="0"/>
         </a:p>
@@ -1317,7 +1297,7 @@
         </a:bodyPr>
         <a:lstStyle/>
         <a:p>
-          <a:pPr lvl="0" algn="l" defTabSz="2489200">
+          <a:pPr marL="0" lvl="0" indent="0" algn="l" defTabSz="2489200">
             <a:lnSpc>
               <a:spcPct val="90000"/>
             </a:lnSpc>
@@ -1327,6 +1307,7 @@
             <a:spcAft>
               <a:spcPct val="35000"/>
             </a:spcAft>
+            <a:buNone/>
           </a:pPr>
           <a:endParaRPr lang="pt-BR" sz="5600" kern="1200" dirty="0"/>
         </a:p>
@@ -1392,7 +1373,7 @@
         </a:bodyPr>
         <a:lstStyle/>
         <a:p>
-          <a:pPr lvl="0" algn="l" defTabSz="2489200">
+          <a:pPr marL="0" lvl="0" indent="0" algn="l" defTabSz="2489200">
             <a:lnSpc>
               <a:spcPct val="90000"/>
             </a:lnSpc>
@@ -1402,6 +1383,7 @@
             <a:spcAft>
               <a:spcPct val="35000"/>
             </a:spcAft>
+            <a:buNone/>
           </a:pPr>
           <a:endParaRPr lang="pt-BR" sz="5600" kern="1200"/>
         </a:p>
@@ -1467,7 +1449,7 @@
         </a:bodyPr>
         <a:lstStyle/>
         <a:p>
-          <a:pPr lvl="0" algn="l" defTabSz="2489200">
+          <a:pPr marL="0" lvl="0" indent="0" algn="l" defTabSz="2489200">
             <a:lnSpc>
               <a:spcPct val="90000"/>
             </a:lnSpc>
@@ -1477,6 +1459,7 @@
             <a:spcAft>
               <a:spcPct val="35000"/>
             </a:spcAft>
+            <a:buNone/>
           </a:pPr>
           <a:endParaRPr lang="pt-BR" sz="5600" kern="1200"/>
         </a:p>
@@ -2713,7 +2696,7 @@
           <p:cNvPr id="2" name="Título 1">
             <a:extLst>
               <a:ext uri="{FF2B5EF4-FFF2-40B4-BE49-F238E27FC236}">
-                <a16:creationId xmlns="" xmlns:a16="http://schemas.microsoft.com/office/drawing/2014/main" id="{EC50B9BB-A188-4ECC-9BC7-B1E0B715B9D8}"/>
+                <a16:creationId xmlns:a16="http://schemas.microsoft.com/office/drawing/2014/main" id="{EC50B9BB-A188-4ECC-9BC7-B1E0B715B9D8}"/>
               </a:ext>
             </a:extLst>
           </p:cNvPr>
@@ -2750,7 +2733,7 @@
           <p:cNvPr id="3" name="Subtítulo 2">
             <a:extLst>
               <a:ext uri="{FF2B5EF4-FFF2-40B4-BE49-F238E27FC236}">
-                <a16:creationId xmlns="" xmlns:a16="http://schemas.microsoft.com/office/drawing/2014/main" id="{FFF2A6E2-0D17-472D-84E3-8F7FA37EAD9B}"/>
+                <a16:creationId xmlns:a16="http://schemas.microsoft.com/office/drawing/2014/main" id="{FFF2A6E2-0D17-472D-84E3-8F7FA37EAD9B}"/>
               </a:ext>
             </a:extLst>
           </p:cNvPr>
@@ -2820,7 +2803,7 @@
           <p:cNvPr id="4" name="Espaço Reservado para Data 3">
             <a:extLst>
               <a:ext uri="{FF2B5EF4-FFF2-40B4-BE49-F238E27FC236}">
-                <a16:creationId xmlns="" xmlns:a16="http://schemas.microsoft.com/office/drawing/2014/main" id="{FD390A55-9705-4238-8A68-505AE81F9685}"/>
+                <a16:creationId xmlns:a16="http://schemas.microsoft.com/office/drawing/2014/main" id="{FD390A55-9705-4238-8A68-505AE81F9685}"/>
               </a:ext>
             </a:extLst>
           </p:cNvPr>
@@ -2838,7 +2821,7 @@
           <a:p>
             <a:fld id="{7D788219-CB4A-4D6F-8184-B20BCBA65B7F}" type="datetimeFigureOut">
               <a:rPr lang="pt-BR" smtClean="0"/>
-              <a:t>14/10/2020</a:t>
+              <a:t>15/10/2020</a:t>
             </a:fld>
             <a:endParaRPr lang="pt-BR"/>
           </a:p>
@@ -2849,7 +2832,7 @@
           <p:cNvPr id="5" name="Espaço Reservado para Rodapé 4">
             <a:extLst>
               <a:ext uri="{FF2B5EF4-FFF2-40B4-BE49-F238E27FC236}">
-                <a16:creationId xmlns="" xmlns:a16="http://schemas.microsoft.com/office/drawing/2014/main" id="{FFCBAE04-010D-427B-A9B8-DE7772EEA768}"/>
+                <a16:creationId xmlns:a16="http://schemas.microsoft.com/office/drawing/2014/main" id="{FFCBAE04-010D-427B-A9B8-DE7772EEA768}"/>
               </a:ext>
             </a:extLst>
           </p:cNvPr>
@@ -2874,7 +2857,7 @@
           <p:cNvPr id="6" name="Espaço Reservado para Número de Slide 5">
             <a:extLst>
               <a:ext uri="{FF2B5EF4-FFF2-40B4-BE49-F238E27FC236}">
-                <a16:creationId xmlns="" xmlns:a16="http://schemas.microsoft.com/office/drawing/2014/main" id="{8B086400-8454-437A-8A7A-89AE48A7AA63}"/>
+                <a16:creationId xmlns:a16="http://schemas.microsoft.com/office/drawing/2014/main" id="{8B086400-8454-437A-8A7A-89AE48A7AA63}"/>
               </a:ext>
             </a:extLst>
           </p:cNvPr>
@@ -2933,7 +2916,7 @@
           <p:cNvPr id="2" name="Título 1">
             <a:extLst>
               <a:ext uri="{FF2B5EF4-FFF2-40B4-BE49-F238E27FC236}">
-                <a16:creationId xmlns="" xmlns:a16="http://schemas.microsoft.com/office/drawing/2014/main" id="{FD6FD44A-5C5B-455B-84EE-F6AA86663B7F}"/>
+                <a16:creationId xmlns:a16="http://schemas.microsoft.com/office/drawing/2014/main" id="{FD6FD44A-5C5B-455B-84EE-F6AA86663B7F}"/>
               </a:ext>
             </a:extLst>
           </p:cNvPr>
@@ -2961,7 +2944,7 @@
           <p:cNvPr id="3" name="Espaço Reservado para Texto Vertical 2">
             <a:extLst>
               <a:ext uri="{FF2B5EF4-FFF2-40B4-BE49-F238E27FC236}">
-                <a16:creationId xmlns="" xmlns:a16="http://schemas.microsoft.com/office/drawing/2014/main" id="{BC6F4D73-10BB-4B6E-B126-DCE61AA3E7DA}"/>
+                <a16:creationId xmlns:a16="http://schemas.microsoft.com/office/drawing/2014/main" id="{BC6F4D73-10BB-4B6E-B126-DCE61AA3E7DA}"/>
               </a:ext>
             </a:extLst>
           </p:cNvPr>
@@ -3018,7 +3001,7 @@
           <p:cNvPr id="4" name="Espaço Reservado para Data 3">
             <a:extLst>
               <a:ext uri="{FF2B5EF4-FFF2-40B4-BE49-F238E27FC236}">
-                <a16:creationId xmlns="" xmlns:a16="http://schemas.microsoft.com/office/drawing/2014/main" id="{00BC0181-9BBB-4706-BBA9-7E48F5DC17C3}"/>
+                <a16:creationId xmlns:a16="http://schemas.microsoft.com/office/drawing/2014/main" id="{00BC0181-9BBB-4706-BBA9-7E48F5DC17C3}"/>
               </a:ext>
             </a:extLst>
           </p:cNvPr>
@@ -3036,7 +3019,7 @@
           <a:p>
             <a:fld id="{7D788219-CB4A-4D6F-8184-B20BCBA65B7F}" type="datetimeFigureOut">
               <a:rPr lang="pt-BR" smtClean="0"/>
-              <a:t>14/10/2020</a:t>
+              <a:t>15/10/2020</a:t>
             </a:fld>
             <a:endParaRPr lang="pt-BR"/>
           </a:p>
@@ -3047,7 +3030,7 @@
           <p:cNvPr id="5" name="Espaço Reservado para Rodapé 4">
             <a:extLst>
               <a:ext uri="{FF2B5EF4-FFF2-40B4-BE49-F238E27FC236}">
-                <a16:creationId xmlns="" xmlns:a16="http://schemas.microsoft.com/office/drawing/2014/main" id="{485B6483-15D5-48C4-857E-82B208C6C678}"/>
+                <a16:creationId xmlns:a16="http://schemas.microsoft.com/office/drawing/2014/main" id="{485B6483-15D5-48C4-857E-82B208C6C678}"/>
               </a:ext>
             </a:extLst>
           </p:cNvPr>
@@ -3072,7 +3055,7 @@
           <p:cNvPr id="6" name="Espaço Reservado para Número de Slide 5">
             <a:extLst>
               <a:ext uri="{FF2B5EF4-FFF2-40B4-BE49-F238E27FC236}">
-                <a16:creationId xmlns="" xmlns:a16="http://schemas.microsoft.com/office/drawing/2014/main" id="{8CFCEB44-CB2F-4584-882D-7475F5C2DD7C}"/>
+                <a16:creationId xmlns:a16="http://schemas.microsoft.com/office/drawing/2014/main" id="{8CFCEB44-CB2F-4584-882D-7475F5C2DD7C}"/>
               </a:ext>
             </a:extLst>
           </p:cNvPr>
@@ -3131,7 +3114,7 @@
           <p:cNvPr id="2" name="Título Vertical 1">
             <a:extLst>
               <a:ext uri="{FF2B5EF4-FFF2-40B4-BE49-F238E27FC236}">
-                <a16:creationId xmlns="" xmlns:a16="http://schemas.microsoft.com/office/drawing/2014/main" id="{4AE7F461-5BCA-452D-AB75-6FB08DA1BB60}"/>
+                <a16:creationId xmlns:a16="http://schemas.microsoft.com/office/drawing/2014/main" id="{4AE7F461-5BCA-452D-AB75-6FB08DA1BB60}"/>
               </a:ext>
             </a:extLst>
           </p:cNvPr>
@@ -3164,7 +3147,7 @@
           <p:cNvPr id="3" name="Espaço Reservado para Texto Vertical 2">
             <a:extLst>
               <a:ext uri="{FF2B5EF4-FFF2-40B4-BE49-F238E27FC236}">
-                <a16:creationId xmlns="" xmlns:a16="http://schemas.microsoft.com/office/drawing/2014/main" id="{7FFCECA3-C95B-493A-89DB-BC40A26642BD}"/>
+                <a16:creationId xmlns:a16="http://schemas.microsoft.com/office/drawing/2014/main" id="{7FFCECA3-C95B-493A-89DB-BC40A26642BD}"/>
               </a:ext>
             </a:extLst>
           </p:cNvPr>
@@ -3226,7 +3209,7 @@
           <p:cNvPr id="4" name="Espaço Reservado para Data 3">
             <a:extLst>
               <a:ext uri="{FF2B5EF4-FFF2-40B4-BE49-F238E27FC236}">
-                <a16:creationId xmlns="" xmlns:a16="http://schemas.microsoft.com/office/drawing/2014/main" id="{CD1B726F-7841-4979-B13C-1C2C4D3D1D51}"/>
+                <a16:creationId xmlns:a16="http://schemas.microsoft.com/office/drawing/2014/main" id="{CD1B726F-7841-4979-B13C-1C2C4D3D1D51}"/>
               </a:ext>
             </a:extLst>
           </p:cNvPr>
@@ -3244,7 +3227,7 @@
           <a:p>
             <a:fld id="{7D788219-CB4A-4D6F-8184-B20BCBA65B7F}" type="datetimeFigureOut">
               <a:rPr lang="pt-BR" smtClean="0"/>
-              <a:t>14/10/2020</a:t>
+              <a:t>15/10/2020</a:t>
             </a:fld>
             <a:endParaRPr lang="pt-BR"/>
           </a:p>
@@ -3255,7 +3238,7 @@
           <p:cNvPr id="5" name="Espaço Reservado para Rodapé 4">
             <a:extLst>
               <a:ext uri="{FF2B5EF4-FFF2-40B4-BE49-F238E27FC236}">
-                <a16:creationId xmlns="" xmlns:a16="http://schemas.microsoft.com/office/drawing/2014/main" id="{F9557A3D-7692-408C-BDB4-7F642DAF0976}"/>
+                <a16:creationId xmlns:a16="http://schemas.microsoft.com/office/drawing/2014/main" id="{F9557A3D-7692-408C-BDB4-7F642DAF0976}"/>
               </a:ext>
             </a:extLst>
           </p:cNvPr>
@@ -3280,7 +3263,7 @@
           <p:cNvPr id="6" name="Espaço Reservado para Número de Slide 5">
             <a:extLst>
               <a:ext uri="{FF2B5EF4-FFF2-40B4-BE49-F238E27FC236}">
-                <a16:creationId xmlns="" xmlns:a16="http://schemas.microsoft.com/office/drawing/2014/main" id="{B5B140EA-EA15-43E0-9F44-8D3AEB6F4B72}"/>
+                <a16:creationId xmlns:a16="http://schemas.microsoft.com/office/drawing/2014/main" id="{B5B140EA-EA15-43E0-9F44-8D3AEB6F4B72}"/>
               </a:ext>
             </a:extLst>
           </p:cNvPr>
@@ -3339,7 +3322,7 @@
           <p:cNvPr id="2" name="Título 1">
             <a:extLst>
               <a:ext uri="{FF2B5EF4-FFF2-40B4-BE49-F238E27FC236}">
-                <a16:creationId xmlns="" xmlns:a16="http://schemas.microsoft.com/office/drawing/2014/main" id="{990D4BBE-7504-4DD1-9211-C3B89AF43524}"/>
+                <a16:creationId xmlns:a16="http://schemas.microsoft.com/office/drawing/2014/main" id="{990D4BBE-7504-4DD1-9211-C3B89AF43524}"/>
               </a:ext>
             </a:extLst>
           </p:cNvPr>
@@ -3367,7 +3350,7 @@
           <p:cNvPr id="3" name="Espaço Reservado para Conteúdo 2">
             <a:extLst>
               <a:ext uri="{FF2B5EF4-FFF2-40B4-BE49-F238E27FC236}">
-                <a16:creationId xmlns="" xmlns:a16="http://schemas.microsoft.com/office/drawing/2014/main" id="{56366CDA-2D97-43F0-B16D-E28685CDA898}"/>
+                <a16:creationId xmlns:a16="http://schemas.microsoft.com/office/drawing/2014/main" id="{56366CDA-2D97-43F0-B16D-E28685CDA898}"/>
               </a:ext>
             </a:extLst>
           </p:cNvPr>
@@ -3424,7 +3407,7 @@
           <p:cNvPr id="4" name="Espaço Reservado para Data 3">
             <a:extLst>
               <a:ext uri="{FF2B5EF4-FFF2-40B4-BE49-F238E27FC236}">
-                <a16:creationId xmlns="" xmlns:a16="http://schemas.microsoft.com/office/drawing/2014/main" id="{A752CFCE-C598-4B9D-9B83-14CD37325F75}"/>
+                <a16:creationId xmlns:a16="http://schemas.microsoft.com/office/drawing/2014/main" id="{A752CFCE-C598-4B9D-9B83-14CD37325F75}"/>
               </a:ext>
             </a:extLst>
           </p:cNvPr>
@@ -3442,7 +3425,7 @@
           <a:p>
             <a:fld id="{7D788219-CB4A-4D6F-8184-B20BCBA65B7F}" type="datetimeFigureOut">
               <a:rPr lang="pt-BR" smtClean="0"/>
-              <a:t>14/10/2020</a:t>
+              <a:t>15/10/2020</a:t>
             </a:fld>
             <a:endParaRPr lang="pt-BR"/>
           </a:p>
@@ -3453,7 +3436,7 @@
           <p:cNvPr id="5" name="Espaço Reservado para Rodapé 4">
             <a:extLst>
               <a:ext uri="{FF2B5EF4-FFF2-40B4-BE49-F238E27FC236}">
-                <a16:creationId xmlns="" xmlns:a16="http://schemas.microsoft.com/office/drawing/2014/main" id="{BEE24690-E7A7-4474-A28F-07A036F97F74}"/>
+                <a16:creationId xmlns:a16="http://schemas.microsoft.com/office/drawing/2014/main" id="{BEE24690-E7A7-4474-A28F-07A036F97F74}"/>
               </a:ext>
             </a:extLst>
           </p:cNvPr>
@@ -3478,7 +3461,7 @@
           <p:cNvPr id="6" name="Espaço Reservado para Número de Slide 5">
             <a:extLst>
               <a:ext uri="{FF2B5EF4-FFF2-40B4-BE49-F238E27FC236}">
-                <a16:creationId xmlns="" xmlns:a16="http://schemas.microsoft.com/office/drawing/2014/main" id="{6F600A1F-EE2B-443C-94E4-168371DC6B6D}"/>
+                <a16:creationId xmlns:a16="http://schemas.microsoft.com/office/drawing/2014/main" id="{6F600A1F-EE2B-443C-94E4-168371DC6B6D}"/>
               </a:ext>
             </a:extLst>
           </p:cNvPr>
@@ -3537,7 +3520,7 @@
           <p:cNvPr id="2" name="Título 1">
             <a:extLst>
               <a:ext uri="{FF2B5EF4-FFF2-40B4-BE49-F238E27FC236}">
-                <a16:creationId xmlns="" xmlns:a16="http://schemas.microsoft.com/office/drawing/2014/main" id="{15416778-DCBE-4931-A239-EC10CC710669}"/>
+                <a16:creationId xmlns:a16="http://schemas.microsoft.com/office/drawing/2014/main" id="{15416778-DCBE-4931-A239-EC10CC710669}"/>
               </a:ext>
             </a:extLst>
           </p:cNvPr>
@@ -3574,7 +3557,7 @@
           <p:cNvPr id="3" name="Espaço Reservado para Texto 2">
             <a:extLst>
               <a:ext uri="{FF2B5EF4-FFF2-40B4-BE49-F238E27FC236}">
-                <a16:creationId xmlns="" xmlns:a16="http://schemas.microsoft.com/office/drawing/2014/main" id="{EA787C1F-CFDA-4106-8577-93F8EBC1FAED}"/>
+                <a16:creationId xmlns:a16="http://schemas.microsoft.com/office/drawing/2014/main" id="{EA787C1F-CFDA-4106-8577-93F8EBC1FAED}"/>
               </a:ext>
             </a:extLst>
           </p:cNvPr>
@@ -3699,7 +3682,7 @@
           <p:cNvPr id="4" name="Espaço Reservado para Data 3">
             <a:extLst>
               <a:ext uri="{FF2B5EF4-FFF2-40B4-BE49-F238E27FC236}">
-                <a16:creationId xmlns="" xmlns:a16="http://schemas.microsoft.com/office/drawing/2014/main" id="{4B4F8DF8-516E-4B7C-80F0-5A61136108CF}"/>
+                <a16:creationId xmlns:a16="http://schemas.microsoft.com/office/drawing/2014/main" id="{4B4F8DF8-516E-4B7C-80F0-5A61136108CF}"/>
               </a:ext>
             </a:extLst>
           </p:cNvPr>
@@ -3717,7 +3700,7 @@
           <a:p>
             <a:fld id="{7D788219-CB4A-4D6F-8184-B20BCBA65B7F}" type="datetimeFigureOut">
               <a:rPr lang="pt-BR" smtClean="0"/>
-              <a:t>14/10/2020</a:t>
+              <a:t>15/10/2020</a:t>
             </a:fld>
             <a:endParaRPr lang="pt-BR"/>
           </a:p>
@@ -3728,7 +3711,7 @@
           <p:cNvPr id="5" name="Espaço Reservado para Rodapé 4">
             <a:extLst>
               <a:ext uri="{FF2B5EF4-FFF2-40B4-BE49-F238E27FC236}">
-                <a16:creationId xmlns="" xmlns:a16="http://schemas.microsoft.com/office/drawing/2014/main" id="{067DECD6-56CC-4AA6-85DC-26036EA5D640}"/>
+                <a16:creationId xmlns:a16="http://schemas.microsoft.com/office/drawing/2014/main" id="{067DECD6-56CC-4AA6-85DC-26036EA5D640}"/>
               </a:ext>
             </a:extLst>
           </p:cNvPr>
@@ -3753,7 +3736,7 @@
           <p:cNvPr id="6" name="Espaço Reservado para Número de Slide 5">
             <a:extLst>
               <a:ext uri="{FF2B5EF4-FFF2-40B4-BE49-F238E27FC236}">
-                <a16:creationId xmlns="" xmlns:a16="http://schemas.microsoft.com/office/drawing/2014/main" id="{D695654E-3992-43FA-9160-8AD91B7F2C69}"/>
+                <a16:creationId xmlns:a16="http://schemas.microsoft.com/office/drawing/2014/main" id="{D695654E-3992-43FA-9160-8AD91B7F2C69}"/>
               </a:ext>
             </a:extLst>
           </p:cNvPr>
@@ -3812,7 +3795,7 @@
           <p:cNvPr id="2" name="Título 1">
             <a:extLst>
               <a:ext uri="{FF2B5EF4-FFF2-40B4-BE49-F238E27FC236}">
-                <a16:creationId xmlns="" xmlns:a16="http://schemas.microsoft.com/office/drawing/2014/main" id="{64E8A908-F013-473D-9355-5DA240E90078}"/>
+                <a16:creationId xmlns:a16="http://schemas.microsoft.com/office/drawing/2014/main" id="{64E8A908-F013-473D-9355-5DA240E90078}"/>
               </a:ext>
             </a:extLst>
           </p:cNvPr>
@@ -3840,7 +3823,7 @@
           <p:cNvPr id="3" name="Espaço Reservado para Conteúdo 2">
             <a:extLst>
               <a:ext uri="{FF2B5EF4-FFF2-40B4-BE49-F238E27FC236}">
-                <a16:creationId xmlns="" xmlns:a16="http://schemas.microsoft.com/office/drawing/2014/main" id="{D1CE65CC-4DF2-4188-93E9-645FF77E1720}"/>
+                <a16:creationId xmlns:a16="http://schemas.microsoft.com/office/drawing/2014/main" id="{D1CE65CC-4DF2-4188-93E9-645FF77E1720}"/>
               </a:ext>
             </a:extLst>
           </p:cNvPr>
@@ -3902,7 +3885,7 @@
           <p:cNvPr id="4" name="Espaço Reservado para Conteúdo 3">
             <a:extLst>
               <a:ext uri="{FF2B5EF4-FFF2-40B4-BE49-F238E27FC236}">
-                <a16:creationId xmlns="" xmlns:a16="http://schemas.microsoft.com/office/drawing/2014/main" id="{A27DE0B9-AA6D-441A-9031-696A1C2A8E4C}"/>
+                <a16:creationId xmlns:a16="http://schemas.microsoft.com/office/drawing/2014/main" id="{A27DE0B9-AA6D-441A-9031-696A1C2A8E4C}"/>
               </a:ext>
             </a:extLst>
           </p:cNvPr>
@@ -3964,7 +3947,7 @@
           <p:cNvPr id="5" name="Espaço Reservado para Data 4">
             <a:extLst>
               <a:ext uri="{FF2B5EF4-FFF2-40B4-BE49-F238E27FC236}">
-                <a16:creationId xmlns="" xmlns:a16="http://schemas.microsoft.com/office/drawing/2014/main" id="{382FAF7E-9042-4C85-A2A1-D4EC3742A08C}"/>
+                <a16:creationId xmlns:a16="http://schemas.microsoft.com/office/drawing/2014/main" id="{382FAF7E-9042-4C85-A2A1-D4EC3742A08C}"/>
               </a:ext>
             </a:extLst>
           </p:cNvPr>
@@ -3982,7 +3965,7 @@
           <a:p>
             <a:fld id="{7D788219-CB4A-4D6F-8184-B20BCBA65B7F}" type="datetimeFigureOut">
               <a:rPr lang="pt-BR" smtClean="0"/>
-              <a:t>14/10/2020</a:t>
+              <a:t>15/10/2020</a:t>
             </a:fld>
             <a:endParaRPr lang="pt-BR"/>
           </a:p>
@@ -3993,7 +3976,7 @@
           <p:cNvPr id="6" name="Espaço Reservado para Rodapé 5">
             <a:extLst>
               <a:ext uri="{FF2B5EF4-FFF2-40B4-BE49-F238E27FC236}">
-                <a16:creationId xmlns="" xmlns:a16="http://schemas.microsoft.com/office/drawing/2014/main" id="{01330CD4-696D-45E0-8EE0-EFFE699080D0}"/>
+                <a16:creationId xmlns:a16="http://schemas.microsoft.com/office/drawing/2014/main" id="{01330CD4-696D-45E0-8EE0-EFFE699080D0}"/>
               </a:ext>
             </a:extLst>
           </p:cNvPr>
@@ -4018,7 +4001,7 @@
           <p:cNvPr id="7" name="Espaço Reservado para Número de Slide 6">
             <a:extLst>
               <a:ext uri="{FF2B5EF4-FFF2-40B4-BE49-F238E27FC236}">
-                <a16:creationId xmlns="" xmlns:a16="http://schemas.microsoft.com/office/drawing/2014/main" id="{EFE0DF05-08DB-4F48-A72B-2A8DA06415D1}"/>
+                <a16:creationId xmlns:a16="http://schemas.microsoft.com/office/drawing/2014/main" id="{EFE0DF05-08DB-4F48-A72B-2A8DA06415D1}"/>
               </a:ext>
             </a:extLst>
           </p:cNvPr>
@@ -4077,7 +4060,7 @@
           <p:cNvPr id="2" name="Título 1">
             <a:extLst>
               <a:ext uri="{FF2B5EF4-FFF2-40B4-BE49-F238E27FC236}">
-                <a16:creationId xmlns="" xmlns:a16="http://schemas.microsoft.com/office/drawing/2014/main" id="{ED791509-3771-43B2-BC16-A55632413803}"/>
+                <a16:creationId xmlns:a16="http://schemas.microsoft.com/office/drawing/2014/main" id="{ED791509-3771-43B2-BC16-A55632413803}"/>
               </a:ext>
             </a:extLst>
           </p:cNvPr>
@@ -4110,7 +4093,7 @@
           <p:cNvPr id="3" name="Espaço Reservado para Texto 2">
             <a:extLst>
               <a:ext uri="{FF2B5EF4-FFF2-40B4-BE49-F238E27FC236}">
-                <a16:creationId xmlns="" xmlns:a16="http://schemas.microsoft.com/office/drawing/2014/main" id="{96A62D90-F571-479F-827F-0F8DF1A6644F}"/>
+                <a16:creationId xmlns:a16="http://schemas.microsoft.com/office/drawing/2014/main" id="{96A62D90-F571-479F-827F-0F8DF1A6644F}"/>
               </a:ext>
             </a:extLst>
           </p:cNvPr>
@@ -4181,7 +4164,7 @@
           <p:cNvPr id="4" name="Espaço Reservado para Conteúdo 3">
             <a:extLst>
               <a:ext uri="{FF2B5EF4-FFF2-40B4-BE49-F238E27FC236}">
-                <a16:creationId xmlns="" xmlns:a16="http://schemas.microsoft.com/office/drawing/2014/main" id="{56C89BD4-E01A-417A-B96A-2E5DB2284CB3}"/>
+                <a16:creationId xmlns:a16="http://schemas.microsoft.com/office/drawing/2014/main" id="{56C89BD4-E01A-417A-B96A-2E5DB2284CB3}"/>
               </a:ext>
             </a:extLst>
           </p:cNvPr>
@@ -4243,7 +4226,7 @@
           <p:cNvPr id="5" name="Espaço Reservado para Texto 4">
             <a:extLst>
               <a:ext uri="{FF2B5EF4-FFF2-40B4-BE49-F238E27FC236}">
-                <a16:creationId xmlns="" xmlns:a16="http://schemas.microsoft.com/office/drawing/2014/main" id="{AF95A0CA-4D4F-47A9-86DA-9311B2224EE0}"/>
+                <a16:creationId xmlns:a16="http://schemas.microsoft.com/office/drawing/2014/main" id="{AF95A0CA-4D4F-47A9-86DA-9311B2224EE0}"/>
               </a:ext>
             </a:extLst>
           </p:cNvPr>
@@ -4314,7 +4297,7 @@
           <p:cNvPr id="6" name="Espaço Reservado para Conteúdo 5">
             <a:extLst>
               <a:ext uri="{FF2B5EF4-FFF2-40B4-BE49-F238E27FC236}">
-                <a16:creationId xmlns="" xmlns:a16="http://schemas.microsoft.com/office/drawing/2014/main" id="{13756FE9-6514-475D-945C-6369E1DA26C5}"/>
+                <a16:creationId xmlns:a16="http://schemas.microsoft.com/office/drawing/2014/main" id="{13756FE9-6514-475D-945C-6369E1DA26C5}"/>
               </a:ext>
             </a:extLst>
           </p:cNvPr>
@@ -4376,7 +4359,7 @@
           <p:cNvPr id="7" name="Espaço Reservado para Data 6">
             <a:extLst>
               <a:ext uri="{FF2B5EF4-FFF2-40B4-BE49-F238E27FC236}">
-                <a16:creationId xmlns="" xmlns:a16="http://schemas.microsoft.com/office/drawing/2014/main" id="{DD4B5D92-258A-4315-9F6B-37B359A5A297}"/>
+                <a16:creationId xmlns:a16="http://schemas.microsoft.com/office/drawing/2014/main" id="{DD4B5D92-258A-4315-9F6B-37B359A5A297}"/>
               </a:ext>
             </a:extLst>
           </p:cNvPr>
@@ -4394,7 +4377,7 @@
           <a:p>
             <a:fld id="{7D788219-CB4A-4D6F-8184-B20BCBA65B7F}" type="datetimeFigureOut">
               <a:rPr lang="pt-BR" smtClean="0"/>
-              <a:t>14/10/2020</a:t>
+              <a:t>15/10/2020</a:t>
             </a:fld>
             <a:endParaRPr lang="pt-BR"/>
           </a:p>
@@ -4405,7 +4388,7 @@
           <p:cNvPr id="8" name="Espaço Reservado para Rodapé 7">
             <a:extLst>
               <a:ext uri="{FF2B5EF4-FFF2-40B4-BE49-F238E27FC236}">
-                <a16:creationId xmlns="" xmlns:a16="http://schemas.microsoft.com/office/drawing/2014/main" id="{879B12F8-77B1-452A-B213-063D4D28B71F}"/>
+                <a16:creationId xmlns:a16="http://schemas.microsoft.com/office/drawing/2014/main" id="{879B12F8-77B1-452A-B213-063D4D28B71F}"/>
               </a:ext>
             </a:extLst>
           </p:cNvPr>
@@ -4430,7 +4413,7 @@
           <p:cNvPr id="9" name="Espaço Reservado para Número de Slide 8">
             <a:extLst>
               <a:ext uri="{FF2B5EF4-FFF2-40B4-BE49-F238E27FC236}">
-                <a16:creationId xmlns="" xmlns:a16="http://schemas.microsoft.com/office/drawing/2014/main" id="{C2C99D90-FAB3-40E9-80F6-777225F2DB61}"/>
+                <a16:creationId xmlns:a16="http://schemas.microsoft.com/office/drawing/2014/main" id="{C2C99D90-FAB3-40E9-80F6-777225F2DB61}"/>
               </a:ext>
             </a:extLst>
           </p:cNvPr>
@@ -4489,7 +4472,7 @@
           <p:cNvPr id="2" name="Título 1">
             <a:extLst>
               <a:ext uri="{FF2B5EF4-FFF2-40B4-BE49-F238E27FC236}">
-                <a16:creationId xmlns="" xmlns:a16="http://schemas.microsoft.com/office/drawing/2014/main" id="{9BD828D6-ADA0-471B-9FDE-7A9172DCF12B}"/>
+                <a16:creationId xmlns:a16="http://schemas.microsoft.com/office/drawing/2014/main" id="{9BD828D6-ADA0-471B-9FDE-7A9172DCF12B}"/>
               </a:ext>
             </a:extLst>
           </p:cNvPr>
@@ -4517,7 +4500,7 @@
           <p:cNvPr id="3" name="Espaço Reservado para Data 2">
             <a:extLst>
               <a:ext uri="{FF2B5EF4-FFF2-40B4-BE49-F238E27FC236}">
-                <a16:creationId xmlns="" xmlns:a16="http://schemas.microsoft.com/office/drawing/2014/main" id="{F2038549-8B55-4235-A812-337B5656139B}"/>
+                <a16:creationId xmlns:a16="http://schemas.microsoft.com/office/drawing/2014/main" id="{F2038549-8B55-4235-A812-337B5656139B}"/>
               </a:ext>
             </a:extLst>
           </p:cNvPr>
@@ -4535,7 +4518,7 @@
           <a:p>
             <a:fld id="{7D788219-CB4A-4D6F-8184-B20BCBA65B7F}" type="datetimeFigureOut">
               <a:rPr lang="pt-BR" smtClean="0"/>
-              <a:t>14/10/2020</a:t>
+              <a:t>15/10/2020</a:t>
             </a:fld>
             <a:endParaRPr lang="pt-BR"/>
           </a:p>
@@ -4546,7 +4529,7 @@
           <p:cNvPr id="4" name="Espaço Reservado para Rodapé 3">
             <a:extLst>
               <a:ext uri="{FF2B5EF4-FFF2-40B4-BE49-F238E27FC236}">
-                <a16:creationId xmlns="" xmlns:a16="http://schemas.microsoft.com/office/drawing/2014/main" id="{749AD26A-45C1-42B5-9CB5-B767FD012512}"/>
+                <a16:creationId xmlns:a16="http://schemas.microsoft.com/office/drawing/2014/main" id="{749AD26A-45C1-42B5-9CB5-B767FD012512}"/>
               </a:ext>
             </a:extLst>
           </p:cNvPr>
@@ -4571,7 +4554,7 @@
           <p:cNvPr id="5" name="Espaço Reservado para Número de Slide 4">
             <a:extLst>
               <a:ext uri="{FF2B5EF4-FFF2-40B4-BE49-F238E27FC236}">
-                <a16:creationId xmlns="" xmlns:a16="http://schemas.microsoft.com/office/drawing/2014/main" id="{0A907F9E-82EA-4872-AA25-632E318CAA50}"/>
+                <a16:creationId xmlns:a16="http://schemas.microsoft.com/office/drawing/2014/main" id="{0A907F9E-82EA-4872-AA25-632E318CAA50}"/>
               </a:ext>
             </a:extLst>
           </p:cNvPr>
@@ -4630,7 +4613,7 @@
           <p:cNvPr id="2" name="Espaço Reservado para Data 1">
             <a:extLst>
               <a:ext uri="{FF2B5EF4-FFF2-40B4-BE49-F238E27FC236}">
-                <a16:creationId xmlns="" xmlns:a16="http://schemas.microsoft.com/office/drawing/2014/main" id="{F2537681-EE08-4660-A5A8-2A9BE63997C8}"/>
+                <a16:creationId xmlns:a16="http://schemas.microsoft.com/office/drawing/2014/main" id="{F2537681-EE08-4660-A5A8-2A9BE63997C8}"/>
               </a:ext>
             </a:extLst>
           </p:cNvPr>
@@ -4648,7 +4631,7 @@
           <a:p>
             <a:fld id="{7D788219-CB4A-4D6F-8184-B20BCBA65B7F}" type="datetimeFigureOut">
               <a:rPr lang="pt-BR" smtClean="0"/>
-              <a:t>14/10/2020</a:t>
+              <a:t>15/10/2020</a:t>
             </a:fld>
             <a:endParaRPr lang="pt-BR"/>
           </a:p>
@@ -4659,7 +4642,7 @@
           <p:cNvPr id="3" name="Espaço Reservado para Rodapé 2">
             <a:extLst>
               <a:ext uri="{FF2B5EF4-FFF2-40B4-BE49-F238E27FC236}">
-                <a16:creationId xmlns="" xmlns:a16="http://schemas.microsoft.com/office/drawing/2014/main" id="{6AA36793-B0EA-400A-B6AD-FE0FA2D30361}"/>
+                <a16:creationId xmlns:a16="http://schemas.microsoft.com/office/drawing/2014/main" id="{6AA36793-B0EA-400A-B6AD-FE0FA2D30361}"/>
               </a:ext>
             </a:extLst>
           </p:cNvPr>
@@ -4684,7 +4667,7 @@
           <p:cNvPr id="4" name="Espaço Reservado para Número de Slide 3">
             <a:extLst>
               <a:ext uri="{FF2B5EF4-FFF2-40B4-BE49-F238E27FC236}">
-                <a16:creationId xmlns="" xmlns:a16="http://schemas.microsoft.com/office/drawing/2014/main" id="{B258A5A1-0518-4B2F-92D3-0C13E0235F6F}"/>
+                <a16:creationId xmlns:a16="http://schemas.microsoft.com/office/drawing/2014/main" id="{B258A5A1-0518-4B2F-92D3-0C13E0235F6F}"/>
               </a:ext>
             </a:extLst>
           </p:cNvPr>
@@ -4743,7 +4726,7 @@
           <p:cNvPr id="2" name="Título 1">
             <a:extLst>
               <a:ext uri="{FF2B5EF4-FFF2-40B4-BE49-F238E27FC236}">
-                <a16:creationId xmlns="" xmlns:a16="http://schemas.microsoft.com/office/drawing/2014/main" id="{68695210-BD9D-47EA-BA4B-59302D6858A1}"/>
+                <a16:creationId xmlns:a16="http://schemas.microsoft.com/office/drawing/2014/main" id="{68695210-BD9D-47EA-BA4B-59302D6858A1}"/>
               </a:ext>
             </a:extLst>
           </p:cNvPr>
@@ -4780,7 +4763,7 @@
           <p:cNvPr id="3" name="Espaço Reservado para Conteúdo 2">
             <a:extLst>
               <a:ext uri="{FF2B5EF4-FFF2-40B4-BE49-F238E27FC236}">
-                <a16:creationId xmlns="" xmlns:a16="http://schemas.microsoft.com/office/drawing/2014/main" id="{32781965-5BC8-4184-BC00-518E5A57A451}"/>
+                <a16:creationId xmlns:a16="http://schemas.microsoft.com/office/drawing/2014/main" id="{32781965-5BC8-4184-BC00-518E5A57A451}"/>
               </a:ext>
             </a:extLst>
           </p:cNvPr>
@@ -4870,7 +4853,7 @@
           <p:cNvPr id="4" name="Espaço Reservado para Texto 3">
             <a:extLst>
               <a:ext uri="{FF2B5EF4-FFF2-40B4-BE49-F238E27FC236}">
-                <a16:creationId xmlns="" xmlns:a16="http://schemas.microsoft.com/office/drawing/2014/main" id="{41090857-A5F3-4E40-BD2B-CDE1E42DF366}"/>
+                <a16:creationId xmlns:a16="http://schemas.microsoft.com/office/drawing/2014/main" id="{41090857-A5F3-4E40-BD2B-CDE1E42DF366}"/>
               </a:ext>
             </a:extLst>
           </p:cNvPr>
@@ -4941,7 +4924,7 @@
           <p:cNvPr id="5" name="Espaço Reservado para Data 4">
             <a:extLst>
               <a:ext uri="{FF2B5EF4-FFF2-40B4-BE49-F238E27FC236}">
-                <a16:creationId xmlns="" xmlns:a16="http://schemas.microsoft.com/office/drawing/2014/main" id="{639E07A4-287E-40ED-B986-4B2A879EBA1B}"/>
+                <a16:creationId xmlns:a16="http://schemas.microsoft.com/office/drawing/2014/main" id="{639E07A4-287E-40ED-B986-4B2A879EBA1B}"/>
               </a:ext>
             </a:extLst>
           </p:cNvPr>
@@ -4959,7 +4942,7 @@
           <a:p>
             <a:fld id="{7D788219-CB4A-4D6F-8184-B20BCBA65B7F}" type="datetimeFigureOut">
               <a:rPr lang="pt-BR" smtClean="0"/>
-              <a:t>14/10/2020</a:t>
+              <a:t>15/10/2020</a:t>
             </a:fld>
             <a:endParaRPr lang="pt-BR"/>
           </a:p>
@@ -4970,7 +4953,7 @@
           <p:cNvPr id="6" name="Espaço Reservado para Rodapé 5">
             <a:extLst>
               <a:ext uri="{FF2B5EF4-FFF2-40B4-BE49-F238E27FC236}">
-                <a16:creationId xmlns="" xmlns:a16="http://schemas.microsoft.com/office/drawing/2014/main" id="{2965EDF3-1964-402C-939C-10B711B3C0F0}"/>
+                <a16:creationId xmlns:a16="http://schemas.microsoft.com/office/drawing/2014/main" id="{2965EDF3-1964-402C-939C-10B711B3C0F0}"/>
               </a:ext>
             </a:extLst>
           </p:cNvPr>
@@ -4995,7 +4978,7 @@
           <p:cNvPr id="7" name="Espaço Reservado para Número de Slide 6">
             <a:extLst>
               <a:ext uri="{FF2B5EF4-FFF2-40B4-BE49-F238E27FC236}">
-                <a16:creationId xmlns="" xmlns:a16="http://schemas.microsoft.com/office/drawing/2014/main" id="{E30AE729-F8D6-4DB4-B27B-8414F6853141}"/>
+                <a16:creationId xmlns:a16="http://schemas.microsoft.com/office/drawing/2014/main" id="{E30AE729-F8D6-4DB4-B27B-8414F6853141}"/>
               </a:ext>
             </a:extLst>
           </p:cNvPr>
@@ -5054,7 +5037,7 @@
           <p:cNvPr id="2" name="Título 1">
             <a:extLst>
               <a:ext uri="{FF2B5EF4-FFF2-40B4-BE49-F238E27FC236}">
-                <a16:creationId xmlns="" xmlns:a16="http://schemas.microsoft.com/office/drawing/2014/main" id="{03DDEC0C-D7ED-410E-A2C4-30FCD34CDAA8}"/>
+                <a16:creationId xmlns:a16="http://schemas.microsoft.com/office/drawing/2014/main" id="{03DDEC0C-D7ED-410E-A2C4-30FCD34CDAA8}"/>
               </a:ext>
             </a:extLst>
           </p:cNvPr>
@@ -5091,7 +5074,7 @@
           <p:cNvPr id="3" name="Espaço Reservado para Imagem 2">
             <a:extLst>
               <a:ext uri="{FF2B5EF4-FFF2-40B4-BE49-F238E27FC236}">
-                <a16:creationId xmlns="" xmlns:a16="http://schemas.microsoft.com/office/drawing/2014/main" id="{9E3FBFBE-3B47-435A-8956-007358574771}"/>
+                <a16:creationId xmlns:a16="http://schemas.microsoft.com/office/drawing/2014/main" id="{9E3FBFBE-3B47-435A-8956-007358574771}"/>
               </a:ext>
             </a:extLst>
           </p:cNvPr>
@@ -5158,7 +5141,7 @@
           <p:cNvPr id="4" name="Espaço Reservado para Texto 3">
             <a:extLst>
               <a:ext uri="{FF2B5EF4-FFF2-40B4-BE49-F238E27FC236}">
-                <a16:creationId xmlns="" xmlns:a16="http://schemas.microsoft.com/office/drawing/2014/main" id="{E7C03013-C3FE-4885-921D-28A9AAD54F91}"/>
+                <a16:creationId xmlns:a16="http://schemas.microsoft.com/office/drawing/2014/main" id="{E7C03013-C3FE-4885-921D-28A9AAD54F91}"/>
               </a:ext>
             </a:extLst>
           </p:cNvPr>
@@ -5229,7 +5212,7 @@
           <p:cNvPr id="5" name="Espaço Reservado para Data 4">
             <a:extLst>
               <a:ext uri="{FF2B5EF4-FFF2-40B4-BE49-F238E27FC236}">
-                <a16:creationId xmlns="" xmlns:a16="http://schemas.microsoft.com/office/drawing/2014/main" id="{79DFB956-FE5F-4772-985A-B95FCCF4EC1E}"/>
+                <a16:creationId xmlns:a16="http://schemas.microsoft.com/office/drawing/2014/main" id="{79DFB956-FE5F-4772-985A-B95FCCF4EC1E}"/>
               </a:ext>
             </a:extLst>
           </p:cNvPr>
@@ -5247,7 +5230,7 @@
           <a:p>
             <a:fld id="{7D788219-CB4A-4D6F-8184-B20BCBA65B7F}" type="datetimeFigureOut">
               <a:rPr lang="pt-BR" smtClean="0"/>
-              <a:t>14/10/2020</a:t>
+              <a:t>15/10/2020</a:t>
             </a:fld>
             <a:endParaRPr lang="pt-BR"/>
           </a:p>
@@ -5258,7 +5241,7 @@
           <p:cNvPr id="6" name="Espaço Reservado para Rodapé 5">
             <a:extLst>
               <a:ext uri="{FF2B5EF4-FFF2-40B4-BE49-F238E27FC236}">
-                <a16:creationId xmlns="" xmlns:a16="http://schemas.microsoft.com/office/drawing/2014/main" id="{D7EA7021-1ECF-4667-8B3E-8FF41A764F8C}"/>
+                <a16:creationId xmlns:a16="http://schemas.microsoft.com/office/drawing/2014/main" id="{D7EA7021-1ECF-4667-8B3E-8FF41A764F8C}"/>
               </a:ext>
             </a:extLst>
           </p:cNvPr>
@@ -5283,7 +5266,7 @@
           <p:cNvPr id="7" name="Espaço Reservado para Número de Slide 6">
             <a:extLst>
               <a:ext uri="{FF2B5EF4-FFF2-40B4-BE49-F238E27FC236}">
-                <a16:creationId xmlns="" xmlns:a16="http://schemas.microsoft.com/office/drawing/2014/main" id="{836CA717-5224-40BE-AB2A-2E8A6EFB30D5}"/>
+                <a16:creationId xmlns:a16="http://schemas.microsoft.com/office/drawing/2014/main" id="{836CA717-5224-40BE-AB2A-2E8A6EFB30D5}"/>
               </a:ext>
             </a:extLst>
           </p:cNvPr>
@@ -5347,7 +5330,7 @@
           <p:cNvPr id="2" name="Espaço Reservado para Título 1">
             <a:extLst>
               <a:ext uri="{FF2B5EF4-FFF2-40B4-BE49-F238E27FC236}">
-                <a16:creationId xmlns="" xmlns:a16="http://schemas.microsoft.com/office/drawing/2014/main" id="{078C7F56-5B94-4E44-A9FC-33D8A5844B48}"/>
+                <a16:creationId xmlns:a16="http://schemas.microsoft.com/office/drawing/2014/main" id="{078C7F56-5B94-4E44-A9FC-33D8A5844B48}"/>
               </a:ext>
             </a:extLst>
           </p:cNvPr>
@@ -5385,7 +5368,7 @@
           <p:cNvPr id="3" name="Espaço Reservado para Texto 2">
             <a:extLst>
               <a:ext uri="{FF2B5EF4-FFF2-40B4-BE49-F238E27FC236}">
-                <a16:creationId xmlns="" xmlns:a16="http://schemas.microsoft.com/office/drawing/2014/main" id="{6C7D85EC-3EE5-40B1-961D-ECA12DF5AAFE}"/>
+                <a16:creationId xmlns:a16="http://schemas.microsoft.com/office/drawing/2014/main" id="{6C7D85EC-3EE5-40B1-961D-ECA12DF5AAFE}"/>
               </a:ext>
             </a:extLst>
           </p:cNvPr>
@@ -5452,7 +5435,7 @@
           <p:cNvPr id="4" name="Espaço Reservado para Data 3">
             <a:extLst>
               <a:ext uri="{FF2B5EF4-FFF2-40B4-BE49-F238E27FC236}">
-                <a16:creationId xmlns="" xmlns:a16="http://schemas.microsoft.com/office/drawing/2014/main" id="{268BAEE6-16DE-4F3E-9064-53D0650C2A79}"/>
+                <a16:creationId xmlns:a16="http://schemas.microsoft.com/office/drawing/2014/main" id="{268BAEE6-16DE-4F3E-9064-53D0650C2A79}"/>
               </a:ext>
             </a:extLst>
           </p:cNvPr>
@@ -5488,7 +5471,7 @@
           <a:p>
             <a:fld id="{7D788219-CB4A-4D6F-8184-B20BCBA65B7F}" type="datetimeFigureOut">
               <a:rPr lang="pt-BR" smtClean="0"/>
-              <a:t>14/10/2020</a:t>
+              <a:t>15/10/2020</a:t>
             </a:fld>
             <a:endParaRPr lang="pt-BR"/>
           </a:p>
@@ -5499,7 +5482,7 @@
           <p:cNvPr id="5" name="Espaço Reservado para Rodapé 4">
             <a:extLst>
               <a:ext uri="{FF2B5EF4-FFF2-40B4-BE49-F238E27FC236}">
-                <a16:creationId xmlns="" xmlns:a16="http://schemas.microsoft.com/office/drawing/2014/main" id="{2D15049D-BBCE-499B-95FF-7650E995AB59}"/>
+                <a16:creationId xmlns:a16="http://schemas.microsoft.com/office/drawing/2014/main" id="{2D15049D-BBCE-499B-95FF-7650E995AB59}"/>
               </a:ext>
             </a:extLst>
           </p:cNvPr>
@@ -5542,7 +5525,7 @@
           <p:cNvPr id="6" name="Espaço Reservado para Número de Slide 5">
             <a:extLst>
               <a:ext uri="{FF2B5EF4-FFF2-40B4-BE49-F238E27FC236}">
-                <a16:creationId xmlns="" xmlns:a16="http://schemas.microsoft.com/office/drawing/2014/main" id="{1F2FA47F-C5D1-41F5-B630-9C2EE081CD76}"/>
+                <a16:creationId xmlns:a16="http://schemas.microsoft.com/office/drawing/2014/main" id="{1F2FA47F-C5D1-41F5-B630-9C2EE081CD76}"/>
               </a:ext>
             </a:extLst>
           </p:cNvPr>
@@ -5943,7 +5926,7 @@
         <p:spPr>
           <a:xfrm>
             <a:off x="5036312" y="2111188"/>
-            <a:ext cx="6622288" cy="1200329"/>
+            <a:ext cx="6622288" cy="923330"/>
           </a:xfrm>
           <a:prstGeom prst="rect">
             <a:avLst/>
@@ -5956,7 +5939,7 @@
           <a:lstStyle/>
           <a:p>
             <a:r>
-              <a:rPr lang="pt-BR" sz="7200" dirty="0">
+              <a:rPr lang="pt-BR" sz="5400" dirty="0">
                 <a:solidFill>
                   <a:srgbClr val="003B4C"/>
                 </a:solidFill>
@@ -5965,7 +5948,7 @@
               </a:rPr>
               <a:t>Projeto integrador</a:t>
             </a:r>
-            <a:endParaRPr lang="pt-BR" sz="7200" dirty="0"/>
+            <a:endParaRPr lang="pt-BR" sz="5400" dirty="0"/>
           </a:p>
         </p:txBody>
       </p:sp>
@@ -5978,7 +5961,7 @@
         <p:spPr>
           <a:xfrm>
             <a:off x="6927904" y="3284677"/>
-            <a:ext cx="2831288" cy="523220"/>
+            <a:ext cx="2339102" cy="400110"/>
           </a:xfrm>
           <a:prstGeom prst="rect">
             <a:avLst/>
@@ -5991,32 +5974,15 @@
           <a:lstStyle/>
           <a:p>
             <a:r>
-              <a:rPr lang="pt-BR" sz="2800" dirty="0">
+              <a:rPr lang="pt-BR" sz="2000" dirty="0">
                 <a:solidFill>
                   <a:srgbClr val="003B4C"/>
                 </a:solidFill>
                 <a:latin typeface="Aharoni" panose="02010803020104030203" pitchFamily="2" charset="-79"/>
                 <a:cs typeface="Aharoni" panose="02010803020104030203" pitchFamily="2" charset="-79"/>
               </a:rPr>
-              <a:t>Entrega </a:t>
+              <a:t>Entrega 2/ Sprint 1</a:t>
             </a:r>
-            <a:r>
-              <a:rPr lang="pt-BR" sz="2800" dirty="0" smtClean="0">
-                <a:solidFill>
-                  <a:srgbClr val="003B4C"/>
-                </a:solidFill>
-                <a:latin typeface="Aharoni" panose="02010803020104030203" pitchFamily="2" charset="-79"/>
-                <a:cs typeface="Aharoni" panose="02010803020104030203" pitchFamily="2" charset="-79"/>
-              </a:rPr>
-              <a:t>2/ Sprint 1</a:t>
-            </a:r>
-            <a:endParaRPr lang="pt-BR" sz="2800" dirty="0">
-              <a:solidFill>
-                <a:srgbClr val="003B4C"/>
-              </a:solidFill>
-              <a:latin typeface="Aharoni" panose="02010803020104030203" pitchFamily="2" charset="-79"/>
-              <a:cs typeface="Aharoni" panose="02010803020104030203" pitchFamily="2" charset="-79"/>
-            </a:endParaRPr>
           </a:p>
         </p:txBody>
       </p:sp>
@@ -6025,7 +5991,7 @@
           <p:cNvPr id="7" name="Imagem 6" descr="Desenho com traços pretos em fundo branco&#10;&#10;Descrição gerada automaticamente">
             <a:extLst>
               <a:ext uri="{FF2B5EF4-FFF2-40B4-BE49-F238E27FC236}">
-                <a16:creationId xmlns="" xmlns:a16="http://schemas.microsoft.com/office/drawing/2014/main" id="{238F61F0-D132-45C4-875C-CE341C1B4B5A}"/>
+                <a16:creationId xmlns:a16="http://schemas.microsoft.com/office/drawing/2014/main" id="{238F61F0-D132-45C4-875C-CE341C1B4B5A}"/>
               </a:ext>
             </a:extLst>
           </p:cNvPr>
@@ -6081,7 +6047,7 @@
           <p:cNvPr id="8" name="Imagem 7" descr="Uma imagem contendo Logotipo&#10;&#10;Descrição gerada automaticamente">
             <a:extLst>
               <a:ext uri="{FF2B5EF4-FFF2-40B4-BE49-F238E27FC236}">
-                <a16:creationId xmlns:lc="http://schemas.openxmlformats.org/drawingml/2006/lockedCanvas" xmlns:a16="http://schemas.microsoft.com/office/drawing/2014/main" xmlns="" id="{302F9E5B-A502-4EE2-B089-0D6436A8E6DE}"/>
+                <a16:creationId xmlns:a16="http://schemas.microsoft.com/office/drawing/2014/main" id="{302F9E5B-A502-4EE2-B089-0D6436A8E6DE}"/>
               </a:ext>
             </a:extLst>
           </p:cNvPr>
@@ -6119,8 +6085,8 @@
         </p:nvSpPr>
         <p:spPr>
           <a:xfrm>
-            <a:off x="5175265" y="3783106"/>
-            <a:ext cx="6622288" cy="923330"/>
+            <a:off x="6314952" y="3634844"/>
+            <a:ext cx="6622288" cy="461665"/>
           </a:xfrm>
           <a:prstGeom prst="rect">
             <a:avLst/>
@@ -6133,7 +6099,7 @@
           <a:lstStyle/>
           <a:p>
             <a:r>
-              <a:rPr lang="pt-BR" sz="5400" dirty="0" smtClean="0">
+              <a:rPr lang="pt-BR" sz="2400" dirty="0">
                 <a:solidFill>
                   <a:srgbClr val="003B4C"/>
                 </a:solidFill>
@@ -6142,7 +6108,7 @@
               </a:rPr>
               <a:t>Jornada dos motoristas</a:t>
             </a:r>
-            <a:endParaRPr lang="pt-BR" sz="5400" dirty="0"/>
+            <a:endParaRPr lang="pt-BR" sz="2400" dirty="0"/>
           </a:p>
         </p:txBody>
       </p:sp>
@@ -6156,13 +6122,6 @@
   <p:clrMapOvr>
     <a:masterClrMapping/>
   </p:clrMapOvr>
-  <p:timing>
-    <p:tnLst>
-      <p:par>
-        <p:cTn id="1" dur="indefinite" restart="never" nodeType="tmRoot"/>
-      </p:par>
-    </p:tnLst>
-  </p:timing>
 </p:sld>
 </file>
 
@@ -6196,7 +6155,7 @@
           <p:cNvPr id="2" name="Título 1">
             <a:extLst>
               <a:ext uri="{FF2B5EF4-FFF2-40B4-BE49-F238E27FC236}">
-                <a16:creationId xmlns="" xmlns:a16="http://schemas.microsoft.com/office/drawing/2014/main" id="{2DD7BC93-A7C1-4D1E-A4D7-13CA29EA4F30}"/>
+                <a16:creationId xmlns:a16="http://schemas.microsoft.com/office/drawing/2014/main" id="{2DD7BC93-A7C1-4D1E-A4D7-13CA29EA4F30}"/>
               </a:ext>
             </a:extLst>
           </p:cNvPr>
@@ -6237,7 +6196,7 @@
           <p:cNvPr id="4" name="Imagem 3" descr="Uma imagem contendo Logotipo&#10;&#10;Descrição gerada automaticamente">
             <a:extLst>
               <a:ext uri="{FF2B5EF4-FFF2-40B4-BE49-F238E27FC236}">
-                <a16:creationId xmlns:lc="http://schemas.openxmlformats.org/drawingml/2006/lockedCanvas" xmlns:a16="http://schemas.microsoft.com/office/drawing/2014/main" xmlns="" id="{302F9E5B-A502-4EE2-B089-0D6436A8E6DE}"/>
+                <a16:creationId xmlns:a16="http://schemas.microsoft.com/office/drawing/2014/main" id="{302F9E5B-A502-4EE2-B089-0D6436A8E6DE}"/>
               </a:ext>
             </a:extLst>
           </p:cNvPr>
@@ -6272,7 +6231,7 @@
           <p:cNvPr id="7" name="Imagem 6" descr="Uma imagem contendo Logotipo&#10;&#10;Descrição gerada automaticamente">
             <a:extLst>
               <a:ext uri="{FF2B5EF4-FFF2-40B4-BE49-F238E27FC236}">
-                <a16:creationId xmlns:lc="http://schemas.openxmlformats.org/drawingml/2006/lockedCanvas" xmlns:a16="http://schemas.microsoft.com/office/drawing/2014/main" xmlns="" id="{302F9E5B-A502-4EE2-B089-0D6436A8E6DE}"/>
+                <a16:creationId xmlns:a16="http://schemas.microsoft.com/office/drawing/2014/main" id="{302F9E5B-A502-4EE2-B089-0D6436A8E6DE}"/>
               </a:ext>
             </a:extLst>
           </p:cNvPr>
@@ -6307,7 +6266,7 @@
           <p:cNvPr id="9" name="Título 1">
             <a:extLst>
               <a:ext uri="{FF2B5EF4-FFF2-40B4-BE49-F238E27FC236}">
-                <a16:creationId xmlns="" xmlns:a16="http://schemas.microsoft.com/office/drawing/2014/main" id="{2DD7BC93-A7C1-4D1E-A4D7-13CA29EA4F30}"/>
+                <a16:creationId xmlns:a16="http://schemas.microsoft.com/office/drawing/2014/main" id="{2DD7BC93-A7C1-4D1E-A4D7-13CA29EA4F30}"/>
               </a:ext>
             </a:extLst>
           </p:cNvPr>
@@ -6350,7 +6309,7 @@
           </a:lstStyle>
           <a:p>
             <a:r>
-              <a:rPr lang="pt-BR" sz="2400" dirty="0" smtClean="0">
+              <a:rPr lang="pt-BR" sz="2400" dirty="0">
                 <a:solidFill>
                   <a:srgbClr val="003B4C"/>
                 </a:solidFill>
@@ -6359,13 +6318,6 @@
               </a:rPr>
               <a:t>Quem somos</a:t>
             </a:r>
-            <a:endParaRPr lang="pt-BR" sz="2400" dirty="0">
-              <a:solidFill>
-                <a:srgbClr val="003B4C"/>
-              </a:solidFill>
-              <a:latin typeface="Aharoni" panose="02010803020104030203" pitchFamily="2" charset="-79"/>
-              <a:cs typeface="Aharoni" panose="02010803020104030203" pitchFamily="2" charset="-79"/>
-            </a:endParaRPr>
           </a:p>
         </p:txBody>
       </p:sp>
@@ -6374,7 +6326,7 @@
           <p:cNvPr id="10" name="Imagem 9">
             <a:extLst>
               <a:ext uri="{FF2B5EF4-FFF2-40B4-BE49-F238E27FC236}">
-                <a16:creationId xmlns:lc="http://schemas.openxmlformats.org/drawingml/2006/lockedCanvas" xmlns:a16="http://schemas.microsoft.com/office/drawing/2014/main" xmlns="" id="{AD37C2D1-BD46-48A6-A296-185B9F118CEE}"/>
+                <a16:creationId xmlns:a16="http://schemas.microsoft.com/office/drawing/2014/main" id="{AD37C2D1-BD46-48A6-A296-185B9F118CEE}"/>
               </a:ext>
             </a:extLst>
           </p:cNvPr>
@@ -6404,7 +6356,7 @@
           <p:cNvPr id="11" name="Imagem 10">
             <a:extLst>
               <a:ext uri="{FF2B5EF4-FFF2-40B4-BE49-F238E27FC236}">
-                <a16:creationId xmlns:lc="http://schemas.openxmlformats.org/drawingml/2006/lockedCanvas" xmlns:a16="http://schemas.microsoft.com/office/drawing/2014/main" xmlns="" id="{22E4A55D-09A6-43B9-A834-9CD74F4906B8}"/>
+                <a16:creationId xmlns:a16="http://schemas.microsoft.com/office/drawing/2014/main" id="{22E4A55D-09A6-43B9-A834-9CD74F4906B8}"/>
               </a:ext>
             </a:extLst>
           </p:cNvPr>
@@ -6434,7 +6386,7 @@
           <p:cNvPr id="12" name="Imagem 11">
             <a:extLst>
               <a:ext uri="{FF2B5EF4-FFF2-40B4-BE49-F238E27FC236}">
-                <a16:creationId xmlns:lc="http://schemas.openxmlformats.org/drawingml/2006/lockedCanvas" xmlns:a16="http://schemas.microsoft.com/office/drawing/2014/main" xmlns="" id="{F2648898-3F67-442E-8078-6A0D8EB4C12B}"/>
+                <a16:creationId xmlns:a16="http://schemas.microsoft.com/office/drawing/2014/main" id="{F2648898-3F67-442E-8078-6A0D8EB4C12B}"/>
               </a:ext>
             </a:extLst>
           </p:cNvPr>
@@ -6464,7 +6416,7 @@
           <p:cNvPr id="13" name="Espaço Reservado para Conteúdo 5" descr="Mulher com óculos de grau&#10;&#10;Descrição gerada automaticamente">
             <a:extLst>
               <a:ext uri="{FF2B5EF4-FFF2-40B4-BE49-F238E27FC236}">
-                <a16:creationId xmlns:lc="http://schemas.openxmlformats.org/drawingml/2006/lockedCanvas" xmlns:a16="http://schemas.microsoft.com/office/drawing/2014/main" xmlns="" id="{4A793E65-78FE-4617-A5A0-A876F83033F9}"/>
+                <a16:creationId xmlns:a16="http://schemas.microsoft.com/office/drawing/2014/main" id="{4A793E65-78FE-4617-A5A0-A876F83033F9}"/>
               </a:ext>
             </a:extLst>
           </p:cNvPr>
@@ -6500,7 +6452,7 @@
           <p:cNvPr id="14" name="Imagem 13">
             <a:extLst>
               <a:ext uri="{FF2B5EF4-FFF2-40B4-BE49-F238E27FC236}">
-                <a16:creationId xmlns:lc="http://schemas.openxmlformats.org/drawingml/2006/lockedCanvas" xmlns:a16="http://schemas.microsoft.com/office/drawing/2014/main" xmlns="" id="{D5B29C0A-59FE-4EFB-8ABE-84938D0F86A2}"/>
+                <a16:creationId xmlns:a16="http://schemas.microsoft.com/office/drawing/2014/main" id="{D5B29C0A-59FE-4EFB-8ABE-84938D0F86A2}"/>
               </a:ext>
             </a:extLst>
           </p:cNvPr>
@@ -6530,7 +6482,7 @@
           <p:cNvPr id="15" name="Espaço Reservado para Conteúdo 7" descr="Mulher com óculos de grau&#10;&#10;Descrição gerada automaticamente">
             <a:extLst>
               <a:ext uri="{FF2B5EF4-FFF2-40B4-BE49-F238E27FC236}">
-                <a16:creationId xmlns:lc="http://schemas.openxmlformats.org/drawingml/2006/lockedCanvas" xmlns:a16="http://schemas.microsoft.com/office/drawing/2014/main" xmlns="" id="{C98DDBB7-CFBE-4400-AD6E-B0F26220E541}"/>
+                <a16:creationId xmlns:a16="http://schemas.microsoft.com/office/drawing/2014/main" id="{C98DDBB7-CFBE-4400-AD6E-B0F26220E541}"/>
               </a:ext>
             </a:extLst>
           </p:cNvPr>
@@ -6566,7 +6518,7 @@
           <p:cNvPr id="16" name="Espaço Reservado para Texto 2">
             <a:extLst>
               <a:ext uri="{FF2B5EF4-FFF2-40B4-BE49-F238E27FC236}">
-                <a16:creationId xmlns="" xmlns:a16="http://schemas.microsoft.com/office/drawing/2014/main" id="{72908049-A6C0-4B7F-A845-BA297829D8A2}"/>
+                <a16:creationId xmlns:a16="http://schemas.microsoft.com/office/drawing/2014/main" id="{72908049-A6C0-4B7F-A845-BA297829D8A2}"/>
               </a:ext>
             </a:extLst>
           </p:cNvPr>
@@ -6772,7 +6724,7 @@
           </a:lstStyle>
           <a:p>
             <a:r>
-              <a:rPr lang="pt-BR" sz="1600" dirty="0" smtClean="0">
+              <a:rPr lang="pt-BR" sz="1600" dirty="0">
                 <a:solidFill>
                   <a:srgbClr val="003B4C"/>
                 </a:solidFill>
@@ -6782,7 +6734,7 @@
               <a:t>Rafael Furtado – </a:t>
             </a:r>
             <a:r>
-              <a:rPr lang="pt-BR" sz="1600" dirty="0" err="1" smtClean="0">
+              <a:rPr lang="pt-BR" sz="1600" dirty="0" err="1">
                 <a:solidFill>
                   <a:srgbClr val="003B4C"/>
                 </a:solidFill>
@@ -6792,7 +6744,7 @@
               <a:t>Scrum</a:t>
             </a:r>
             <a:r>
-              <a:rPr lang="pt-BR" sz="1600" dirty="0" smtClean="0">
+              <a:rPr lang="pt-BR" sz="1600" dirty="0">
                 <a:solidFill>
                   <a:srgbClr val="003B4C"/>
                 </a:solidFill>
@@ -6801,13 +6753,6 @@
               </a:rPr>
               <a:t> Master</a:t>
             </a:r>
-            <a:endParaRPr lang="pt-BR" sz="1600" dirty="0">
-              <a:solidFill>
-                <a:srgbClr val="003B4C"/>
-              </a:solidFill>
-              <a:latin typeface="Aharoni" panose="02010803020104030203" pitchFamily="2" charset="-79"/>
-              <a:cs typeface="Aharoni" panose="02010803020104030203" pitchFamily="2" charset="-79"/>
-            </a:endParaRPr>
           </a:p>
         </p:txBody>
       </p:sp>
@@ -6816,7 +6761,7 @@
           <p:cNvPr id="17" name="Espaço Reservado para Texto 2">
             <a:extLst>
               <a:ext uri="{FF2B5EF4-FFF2-40B4-BE49-F238E27FC236}">
-                <a16:creationId xmlns="" xmlns:a16="http://schemas.microsoft.com/office/drawing/2014/main" id="{72908049-A6C0-4B7F-A845-BA297829D8A2}"/>
+                <a16:creationId xmlns:a16="http://schemas.microsoft.com/office/drawing/2014/main" id="{72908049-A6C0-4B7F-A845-BA297829D8A2}"/>
               </a:ext>
             </a:extLst>
           </p:cNvPr>
@@ -7022,7 +6967,7 @@
           </a:lstStyle>
           <a:p>
             <a:r>
-              <a:rPr lang="pt-BR" sz="1600" dirty="0" smtClean="0">
+              <a:rPr lang="pt-BR" sz="1600" dirty="0">
                 <a:solidFill>
                   <a:srgbClr val="003B4C"/>
                 </a:solidFill>
@@ -7032,7 +6977,7 @@
               <a:t>Ana Clara Godoy – </a:t>
             </a:r>
             <a:r>
-              <a:rPr lang="pt-BR" sz="1600" dirty="0" err="1" smtClean="0">
+              <a:rPr lang="pt-BR" sz="1600" dirty="0" err="1">
                 <a:solidFill>
                   <a:srgbClr val="003B4C"/>
                 </a:solidFill>
@@ -7042,7 +6987,7 @@
               <a:t>Development</a:t>
             </a:r>
             <a:r>
-              <a:rPr lang="pt-BR" sz="1600" dirty="0" smtClean="0">
+              <a:rPr lang="pt-BR" sz="1600" dirty="0">
                 <a:solidFill>
                   <a:srgbClr val="003B4C"/>
                 </a:solidFill>
@@ -7051,13 +6996,6 @@
               </a:rPr>
               <a:t> Team</a:t>
             </a:r>
-            <a:endParaRPr lang="pt-BR" sz="1600" dirty="0">
-              <a:solidFill>
-                <a:srgbClr val="003B4C"/>
-              </a:solidFill>
-              <a:latin typeface="Aharoni" panose="02010803020104030203" pitchFamily="2" charset="-79"/>
-              <a:cs typeface="Aharoni" panose="02010803020104030203" pitchFamily="2" charset="-79"/>
-            </a:endParaRPr>
           </a:p>
         </p:txBody>
       </p:sp>
@@ -7066,7 +7004,7 @@
           <p:cNvPr id="18" name="Espaço Reservado para Texto 2">
             <a:extLst>
               <a:ext uri="{FF2B5EF4-FFF2-40B4-BE49-F238E27FC236}">
-                <a16:creationId xmlns="" xmlns:a16="http://schemas.microsoft.com/office/drawing/2014/main" id="{72908049-A6C0-4B7F-A845-BA297829D8A2}"/>
+                <a16:creationId xmlns:a16="http://schemas.microsoft.com/office/drawing/2014/main" id="{72908049-A6C0-4B7F-A845-BA297829D8A2}"/>
               </a:ext>
             </a:extLst>
           </p:cNvPr>
@@ -7272,7 +7210,7 @@
           </a:lstStyle>
           <a:p>
             <a:r>
-              <a:rPr lang="pt-BR" sz="1600" dirty="0" smtClean="0">
+              <a:rPr lang="pt-BR" sz="1600" dirty="0">
                 <a:solidFill>
                   <a:srgbClr val="003B4C"/>
                 </a:solidFill>
@@ -7282,7 +7220,7 @@
               <a:t>Anna Yamada – </a:t>
             </a:r>
             <a:r>
-              <a:rPr lang="pt-BR" sz="1600" dirty="0" err="1" smtClean="0">
+              <a:rPr lang="pt-BR" sz="1600" dirty="0" err="1">
                 <a:solidFill>
                   <a:srgbClr val="003B4C"/>
                 </a:solidFill>
@@ -7292,7 +7230,7 @@
               <a:t>Development</a:t>
             </a:r>
             <a:r>
-              <a:rPr lang="pt-BR" sz="1600" dirty="0" smtClean="0">
+              <a:rPr lang="pt-BR" sz="1600" dirty="0">
                 <a:solidFill>
                   <a:srgbClr val="003B4C"/>
                 </a:solidFill>
@@ -7301,13 +7239,6 @@
               </a:rPr>
               <a:t> Team</a:t>
             </a:r>
-            <a:endParaRPr lang="pt-BR" sz="1600" dirty="0">
-              <a:solidFill>
-                <a:srgbClr val="003B4C"/>
-              </a:solidFill>
-              <a:latin typeface="Aharoni" panose="02010803020104030203" pitchFamily="2" charset="-79"/>
-              <a:cs typeface="Aharoni" panose="02010803020104030203" pitchFamily="2" charset="-79"/>
-            </a:endParaRPr>
           </a:p>
         </p:txBody>
       </p:sp>
@@ -7316,7 +7247,7 @@
           <p:cNvPr id="19" name="Espaço Reservado para Texto 2">
             <a:extLst>
               <a:ext uri="{FF2B5EF4-FFF2-40B4-BE49-F238E27FC236}">
-                <a16:creationId xmlns="" xmlns:a16="http://schemas.microsoft.com/office/drawing/2014/main" id="{72908049-A6C0-4B7F-A845-BA297829D8A2}"/>
+                <a16:creationId xmlns:a16="http://schemas.microsoft.com/office/drawing/2014/main" id="{72908049-A6C0-4B7F-A845-BA297829D8A2}"/>
               </a:ext>
             </a:extLst>
           </p:cNvPr>
@@ -7522,7 +7453,7 @@
           </a:lstStyle>
           <a:p>
             <a:r>
-              <a:rPr lang="pt-BR" sz="1600" dirty="0" smtClean="0">
+              <a:rPr lang="pt-BR" sz="1600" dirty="0">
                 <a:solidFill>
                   <a:srgbClr val="003B4C"/>
                 </a:solidFill>
@@ -7532,7 +7463,7 @@
               <a:t>Giovanni Alves – </a:t>
             </a:r>
             <a:r>
-              <a:rPr lang="pt-BR" sz="1600" dirty="0" err="1" smtClean="0">
+              <a:rPr lang="pt-BR" sz="1600" dirty="0" err="1">
                 <a:solidFill>
                   <a:srgbClr val="003B4C"/>
                 </a:solidFill>
@@ -7542,7 +7473,7 @@
               <a:t>Development</a:t>
             </a:r>
             <a:r>
-              <a:rPr lang="pt-BR" sz="1600" dirty="0" smtClean="0">
+              <a:rPr lang="pt-BR" sz="1600" dirty="0">
                 <a:solidFill>
                   <a:srgbClr val="003B4C"/>
                 </a:solidFill>
@@ -7551,13 +7482,6 @@
               </a:rPr>
               <a:t> Team</a:t>
             </a:r>
-            <a:endParaRPr lang="pt-BR" sz="1600" dirty="0">
-              <a:solidFill>
-                <a:srgbClr val="003B4C"/>
-              </a:solidFill>
-              <a:latin typeface="Aharoni" panose="02010803020104030203" pitchFamily="2" charset="-79"/>
-              <a:cs typeface="Aharoni" panose="02010803020104030203" pitchFamily="2" charset="-79"/>
-            </a:endParaRPr>
           </a:p>
         </p:txBody>
       </p:sp>
@@ -7566,7 +7490,7 @@
           <p:cNvPr id="20" name="Espaço Reservado para Texto 2">
             <a:extLst>
               <a:ext uri="{FF2B5EF4-FFF2-40B4-BE49-F238E27FC236}">
-                <a16:creationId xmlns="" xmlns:a16="http://schemas.microsoft.com/office/drawing/2014/main" id="{72908049-A6C0-4B7F-A845-BA297829D8A2}"/>
+                <a16:creationId xmlns:a16="http://schemas.microsoft.com/office/drawing/2014/main" id="{72908049-A6C0-4B7F-A845-BA297829D8A2}"/>
               </a:ext>
             </a:extLst>
           </p:cNvPr>
@@ -7772,7 +7696,7 @@
           </a:lstStyle>
           <a:p>
             <a:r>
-              <a:rPr lang="pt-BR" sz="1600" dirty="0" smtClean="0">
+              <a:rPr lang="pt-BR" sz="1600" dirty="0">
                 <a:solidFill>
                   <a:srgbClr val="003B4C"/>
                 </a:solidFill>
@@ -7782,7 +7706,7 @@
               <a:t>Bárbara </a:t>
             </a:r>
             <a:r>
-              <a:rPr lang="pt-BR" sz="1600" dirty="0" err="1" smtClean="0">
+              <a:rPr lang="pt-BR" sz="1600" dirty="0" err="1">
                 <a:solidFill>
                   <a:srgbClr val="003B4C"/>
                 </a:solidFill>
@@ -7792,7 +7716,7 @@
               <a:t>Port</a:t>
             </a:r>
             <a:r>
-              <a:rPr lang="pt-BR" sz="1600" dirty="0" smtClean="0">
+              <a:rPr lang="pt-BR" sz="1600" dirty="0">
                 <a:solidFill>
                   <a:srgbClr val="003B4C"/>
                 </a:solidFill>
@@ -7802,7 +7726,7 @@
               <a:t> – </a:t>
             </a:r>
             <a:r>
-              <a:rPr lang="pt-BR" sz="1600" dirty="0" err="1" smtClean="0">
+              <a:rPr lang="pt-BR" sz="1600" dirty="0" err="1">
                 <a:solidFill>
                   <a:srgbClr val="003B4C"/>
                 </a:solidFill>
@@ -7812,7 +7736,7 @@
               <a:t>Product</a:t>
             </a:r>
             <a:r>
-              <a:rPr lang="pt-BR" sz="1600" dirty="0" smtClean="0">
+              <a:rPr lang="pt-BR" sz="1600" dirty="0">
                 <a:solidFill>
                   <a:srgbClr val="003B4C"/>
                 </a:solidFill>
@@ -7822,7 +7746,7 @@
               <a:t> </a:t>
             </a:r>
             <a:r>
-              <a:rPr lang="pt-BR" sz="1600" dirty="0" err="1" smtClean="0">
+              <a:rPr lang="pt-BR" sz="1600" dirty="0" err="1">
                 <a:solidFill>
                   <a:srgbClr val="003B4C"/>
                 </a:solidFill>
@@ -7846,7 +7770,7 @@
           <p:cNvPr id="21" name="Espaço Reservado para Texto 2">
             <a:extLst>
               <a:ext uri="{FF2B5EF4-FFF2-40B4-BE49-F238E27FC236}">
-                <a16:creationId xmlns="" xmlns:a16="http://schemas.microsoft.com/office/drawing/2014/main" id="{72908049-A6C0-4B7F-A845-BA297829D8A2}"/>
+                <a16:creationId xmlns:a16="http://schemas.microsoft.com/office/drawing/2014/main" id="{72908049-A6C0-4B7F-A845-BA297829D8A2}"/>
               </a:ext>
             </a:extLst>
           </p:cNvPr>
@@ -8052,7 +7976,7 @@
           </a:lstStyle>
           <a:p>
             <a:r>
-              <a:rPr lang="pt-BR" sz="1600" dirty="0" smtClean="0">
+              <a:rPr lang="pt-BR" sz="1600" dirty="0">
                 <a:solidFill>
                   <a:srgbClr val="003B4C"/>
                 </a:solidFill>
@@ -8062,7 +7986,7 @@
               <a:t>Ana Carolina Lima – </a:t>
             </a:r>
             <a:r>
-              <a:rPr lang="pt-BR" sz="1600" dirty="0" err="1" smtClean="0">
+              <a:rPr lang="pt-BR" sz="1600" dirty="0" err="1">
                 <a:solidFill>
                   <a:srgbClr val="003B4C"/>
                 </a:solidFill>
@@ -8072,7 +7996,7 @@
               <a:t>Development</a:t>
             </a:r>
             <a:r>
-              <a:rPr lang="pt-BR" sz="1600" dirty="0" smtClean="0">
+              <a:rPr lang="pt-BR" sz="1600" dirty="0">
                 <a:solidFill>
                   <a:srgbClr val="003B4C"/>
                 </a:solidFill>
@@ -8081,13 +8005,6 @@
               </a:rPr>
               <a:t> Team</a:t>
             </a:r>
-            <a:endParaRPr lang="pt-BR" sz="1600" dirty="0">
-              <a:solidFill>
-                <a:srgbClr val="003B4C"/>
-              </a:solidFill>
-              <a:latin typeface="Aharoni" panose="02010803020104030203" pitchFamily="2" charset="-79"/>
-              <a:cs typeface="Aharoni" panose="02010803020104030203" pitchFamily="2" charset="-79"/>
-            </a:endParaRPr>
           </a:p>
         </p:txBody>
       </p:sp>
@@ -8101,13 +8018,6 @@
   <p:clrMapOvr>
     <a:masterClrMapping/>
   </p:clrMapOvr>
-  <p:timing>
-    <p:tnLst>
-      <p:par>
-        <p:cTn id="1" dur="indefinite" restart="never" nodeType="tmRoot"/>
-      </p:par>
-    </p:tnLst>
-  </p:timing>
 </p:sld>
 </file>
 
@@ -8141,7 +8051,7 @@
           <p:cNvPr id="2" name="Título 1">
             <a:extLst>
               <a:ext uri="{FF2B5EF4-FFF2-40B4-BE49-F238E27FC236}">
-                <a16:creationId xmlns="" xmlns:a16="http://schemas.microsoft.com/office/drawing/2014/main" id="{2DD7BC93-A7C1-4D1E-A4D7-13CA29EA4F30}"/>
+                <a16:creationId xmlns:a16="http://schemas.microsoft.com/office/drawing/2014/main" id="{2DD7BC93-A7C1-4D1E-A4D7-13CA29EA4F30}"/>
               </a:ext>
             </a:extLst>
           </p:cNvPr>
@@ -8180,7 +8090,7 @@
           <p:cNvPr id="3" name="Espaço Reservado para Texto 2">
             <a:extLst>
               <a:ext uri="{FF2B5EF4-FFF2-40B4-BE49-F238E27FC236}">
-                <a16:creationId xmlns="" xmlns:a16="http://schemas.microsoft.com/office/drawing/2014/main" id="{72908049-A6C0-4B7F-A845-BA297829D8A2}"/>
+                <a16:creationId xmlns:a16="http://schemas.microsoft.com/office/drawing/2014/main" id="{72908049-A6C0-4B7F-A845-BA297829D8A2}"/>
               </a:ext>
             </a:extLst>
           </p:cNvPr>
@@ -8219,7 +8129,7 @@
           <p:cNvPr id="4" name="Imagem 3" descr="Uma imagem contendo Logotipo&#10;&#10;Descrição gerada automaticamente">
             <a:extLst>
               <a:ext uri="{FF2B5EF4-FFF2-40B4-BE49-F238E27FC236}">
-                <a16:creationId xmlns:lc="http://schemas.openxmlformats.org/drawingml/2006/lockedCanvas" xmlns:a16="http://schemas.microsoft.com/office/drawing/2014/main" xmlns="" id="{302F9E5B-A502-4EE2-B089-0D6436A8E6DE}"/>
+                <a16:creationId xmlns:a16="http://schemas.microsoft.com/office/drawing/2014/main" id="{302F9E5B-A502-4EE2-B089-0D6436A8E6DE}"/>
               </a:ext>
             </a:extLst>
           </p:cNvPr>
@@ -8276,7 +8186,7 @@
           <p:cNvPr id="6" name="Espaço Reservado para Texto 2">
             <a:extLst>
               <a:ext uri="{FF2B5EF4-FFF2-40B4-BE49-F238E27FC236}">
-                <a16:creationId xmlns="" xmlns:a16="http://schemas.microsoft.com/office/drawing/2014/main" id="{72908049-A6C0-4B7F-A845-BA297829D8A2}"/>
+                <a16:creationId xmlns:a16="http://schemas.microsoft.com/office/drawing/2014/main" id="{72908049-A6C0-4B7F-A845-BA297829D8A2}"/>
               </a:ext>
             </a:extLst>
           </p:cNvPr>
@@ -8496,7 +8406,7 @@
           <p:cNvPr id="7" name="Espaço Reservado para Texto 2">
             <a:extLst>
               <a:ext uri="{FF2B5EF4-FFF2-40B4-BE49-F238E27FC236}">
-                <a16:creationId xmlns="" xmlns:a16="http://schemas.microsoft.com/office/drawing/2014/main" id="{72908049-A6C0-4B7F-A845-BA297829D8A2}"/>
+                <a16:creationId xmlns:a16="http://schemas.microsoft.com/office/drawing/2014/main" id="{72908049-A6C0-4B7F-A845-BA297829D8A2}"/>
               </a:ext>
             </a:extLst>
           </p:cNvPr>
@@ -8702,7 +8612,7 @@
           </a:lstStyle>
           <a:p>
             <a:r>
-              <a:rPr lang="pt-BR" sz="3200" dirty="0" smtClean="0">
+              <a:rPr lang="pt-BR" sz="3200" dirty="0">
                 <a:solidFill>
                   <a:srgbClr val="003B4C"/>
                 </a:solidFill>
@@ -8711,13 +8621,6 @@
               </a:rPr>
               <a:t>CRUD das filiais</a:t>
             </a:r>
-            <a:endParaRPr lang="pt-BR" sz="3200" dirty="0">
-              <a:solidFill>
-                <a:srgbClr val="003B4C"/>
-              </a:solidFill>
-              <a:latin typeface="Aharoni" panose="02010803020104030203" pitchFamily="2" charset="-79"/>
-              <a:cs typeface="Aharoni" panose="02010803020104030203" pitchFamily="2" charset="-79"/>
-            </a:endParaRPr>
           </a:p>
         </p:txBody>
       </p:sp>
@@ -8726,7 +8629,7 @@
           <p:cNvPr id="8" name="Espaço Reservado para Texto 2">
             <a:extLst>
               <a:ext uri="{FF2B5EF4-FFF2-40B4-BE49-F238E27FC236}">
-                <a16:creationId xmlns="" xmlns:a16="http://schemas.microsoft.com/office/drawing/2014/main" id="{72908049-A6C0-4B7F-A845-BA297829D8A2}"/>
+                <a16:creationId xmlns:a16="http://schemas.microsoft.com/office/drawing/2014/main" id="{72908049-A6C0-4B7F-A845-BA297829D8A2}"/>
               </a:ext>
             </a:extLst>
           </p:cNvPr>
@@ -8932,7 +8835,7 @@
           </a:lstStyle>
           <a:p>
             <a:r>
-              <a:rPr lang="pt-BR" sz="3200" dirty="0" smtClean="0">
+              <a:rPr lang="pt-BR" sz="3200" dirty="0">
                 <a:solidFill>
                   <a:srgbClr val="003B4C"/>
                 </a:solidFill>
@@ -8941,13 +8844,6 @@
               </a:rPr>
               <a:t>CRUD dos veículos</a:t>
             </a:r>
-            <a:endParaRPr lang="pt-BR" sz="3200" dirty="0">
-              <a:solidFill>
-                <a:srgbClr val="003B4C"/>
-              </a:solidFill>
-              <a:latin typeface="Aharoni" panose="02010803020104030203" pitchFamily="2" charset="-79"/>
-              <a:cs typeface="Aharoni" panose="02010803020104030203" pitchFamily="2" charset="-79"/>
-            </a:endParaRPr>
           </a:p>
         </p:txBody>
       </p:sp>
@@ -8956,7 +8852,7 @@
           <p:cNvPr id="9" name="Espaço Reservado para Texto 2">
             <a:extLst>
               <a:ext uri="{FF2B5EF4-FFF2-40B4-BE49-F238E27FC236}">
-                <a16:creationId xmlns="" xmlns:a16="http://schemas.microsoft.com/office/drawing/2014/main" id="{72908049-A6C0-4B7F-A845-BA297829D8A2}"/>
+                <a16:creationId xmlns:a16="http://schemas.microsoft.com/office/drawing/2014/main" id="{72908049-A6C0-4B7F-A845-BA297829D8A2}"/>
               </a:ext>
             </a:extLst>
           </p:cNvPr>
@@ -9162,7 +9058,7 @@
           </a:lstStyle>
           <a:p>
             <a:r>
-              <a:rPr lang="pt-BR" sz="3200" dirty="0" smtClean="0">
+              <a:rPr lang="pt-BR" sz="3200" dirty="0">
                 <a:solidFill>
                   <a:srgbClr val="003B4C"/>
                 </a:solidFill>
@@ -9171,13 +9067,6 @@
               </a:rPr>
               <a:t>CRUD viagens</a:t>
             </a:r>
-            <a:endParaRPr lang="pt-BR" sz="3200" dirty="0">
-              <a:solidFill>
-                <a:srgbClr val="003B4C"/>
-              </a:solidFill>
-              <a:latin typeface="Aharoni" panose="02010803020104030203" pitchFamily="2" charset="-79"/>
-              <a:cs typeface="Aharoni" panose="02010803020104030203" pitchFamily="2" charset="-79"/>
-            </a:endParaRPr>
           </a:p>
         </p:txBody>
       </p:sp>
@@ -9186,7 +9075,7 @@
           <p:cNvPr id="10" name="Espaço Reservado para Texto 2">
             <a:extLst>
               <a:ext uri="{FF2B5EF4-FFF2-40B4-BE49-F238E27FC236}">
-                <a16:creationId xmlns="" xmlns:a16="http://schemas.microsoft.com/office/drawing/2014/main" id="{72908049-A6C0-4B7F-A845-BA297829D8A2}"/>
+                <a16:creationId xmlns:a16="http://schemas.microsoft.com/office/drawing/2014/main" id="{72908049-A6C0-4B7F-A845-BA297829D8A2}"/>
               </a:ext>
             </a:extLst>
           </p:cNvPr>
@@ -9392,7 +9281,7 @@
           </a:lstStyle>
           <a:p>
             <a:r>
-              <a:rPr lang="pt-BR" sz="3200" dirty="0" smtClean="0">
+              <a:rPr lang="pt-BR" sz="3200" dirty="0">
                 <a:solidFill>
                   <a:srgbClr val="003B4C"/>
                 </a:solidFill>
@@ -9401,13 +9290,6 @@
               </a:rPr>
               <a:t>Envio e leitura de avisos</a:t>
             </a:r>
-            <a:endParaRPr lang="pt-BR" sz="3200" dirty="0">
-              <a:solidFill>
-                <a:srgbClr val="003B4C"/>
-              </a:solidFill>
-              <a:latin typeface="Aharoni" panose="02010803020104030203" pitchFamily="2" charset="-79"/>
-              <a:cs typeface="Aharoni" panose="02010803020104030203" pitchFamily="2" charset="-79"/>
-            </a:endParaRPr>
           </a:p>
         </p:txBody>
       </p:sp>
@@ -9492,7 +9374,7 @@
           <p:cNvPr id="2" name="Título 1">
             <a:extLst>
               <a:ext uri="{FF2B5EF4-FFF2-40B4-BE49-F238E27FC236}">
-                <a16:creationId xmlns="" xmlns:a16="http://schemas.microsoft.com/office/drawing/2014/main" id="{2DD7BC93-A7C1-4D1E-A4D7-13CA29EA4F30}"/>
+                <a16:creationId xmlns:a16="http://schemas.microsoft.com/office/drawing/2014/main" id="{2DD7BC93-A7C1-4D1E-A4D7-13CA29EA4F30}"/>
               </a:ext>
             </a:extLst>
           </p:cNvPr>
@@ -9514,7 +9396,7 @@
           <a:lstStyle/>
           <a:p>
             <a:r>
-              <a:rPr lang="pt-BR" dirty="0" smtClean="0">
+              <a:rPr lang="pt-BR" dirty="0">
                 <a:solidFill>
                   <a:srgbClr val="003B4C"/>
                 </a:solidFill>
@@ -9523,13 +9405,6 @@
               </a:rPr>
               <a:t>Motivo da segunda entrega</a:t>
             </a:r>
-            <a:endParaRPr lang="pt-BR" dirty="0">
-              <a:solidFill>
-                <a:srgbClr val="003B4C"/>
-              </a:solidFill>
-              <a:latin typeface="Aharoni" panose="02010803020104030203" pitchFamily="2" charset="-79"/>
-              <a:cs typeface="Aharoni" panose="02010803020104030203" pitchFamily="2" charset="-79"/>
-            </a:endParaRPr>
           </a:p>
         </p:txBody>
       </p:sp>
@@ -9538,7 +9413,7 @@
           <p:cNvPr id="3" name="Espaço Reservado para Texto 2">
             <a:extLst>
               <a:ext uri="{FF2B5EF4-FFF2-40B4-BE49-F238E27FC236}">
-                <a16:creationId xmlns="" xmlns:a16="http://schemas.microsoft.com/office/drawing/2014/main" id="{72908049-A6C0-4B7F-A845-BA297829D8A2}"/>
+                <a16:creationId xmlns:a16="http://schemas.microsoft.com/office/drawing/2014/main" id="{72908049-A6C0-4B7F-A845-BA297829D8A2}"/>
               </a:ext>
             </a:extLst>
           </p:cNvPr>
@@ -9577,7 +9452,7 @@
           <p:cNvPr id="4" name="Imagem 3" descr="Uma imagem contendo Logotipo&#10;&#10;Descrição gerada automaticamente">
             <a:extLst>
               <a:ext uri="{FF2B5EF4-FFF2-40B4-BE49-F238E27FC236}">
-                <a16:creationId xmlns:lc="http://schemas.openxmlformats.org/drawingml/2006/lockedCanvas" xmlns:a16="http://schemas.microsoft.com/office/drawing/2014/main" xmlns="" id="{302F9E5B-A502-4EE2-B089-0D6436A8E6DE}"/>
+                <a16:creationId xmlns:a16="http://schemas.microsoft.com/office/drawing/2014/main" id="{302F9E5B-A502-4EE2-B089-0D6436A8E6DE}"/>
               </a:ext>
             </a:extLst>
           </p:cNvPr>
@@ -9650,7 +9525,7 @@
           <p:cNvPr id="12" name="Espaço Reservado para Texto 2">
             <a:extLst>
               <a:ext uri="{FF2B5EF4-FFF2-40B4-BE49-F238E27FC236}">
-                <a16:creationId xmlns="" xmlns:a16="http://schemas.microsoft.com/office/drawing/2014/main" id="{72908049-A6C0-4B7F-A845-BA297829D8A2}"/>
+                <a16:creationId xmlns:a16="http://schemas.microsoft.com/office/drawing/2014/main" id="{72908049-A6C0-4B7F-A845-BA297829D8A2}"/>
               </a:ext>
             </a:extLst>
           </p:cNvPr>
@@ -9874,7 +9749,7 @@
           <p:cNvPr id="13" name="Espaço Reservado para Texto 2">
             <a:extLst>
               <a:ext uri="{FF2B5EF4-FFF2-40B4-BE49-F238E27FC236}">
-                <a16:creationId xmlns="" xmlns:a16="http://schemas.microsoft.com/office/drawing/2014/main" id="{72908049-A6C0-4B7F-A845-BA297829D8A2}"/>
+                <a16:creationId xmlns:a16="http://schemas.microsoft.com/office/drawing/2014/main" id="{72908049-A6C0-4B7F-A845-BA297829D8A2}"/>
               </a:ext>
             </a:extLst>
           </p:cNvPr>
@@ -10160,7 +10035,7 @@
           <p:cNvPr id="2" name="Título 1">
             <a:extLst>
               <a:ext uri="{FF2B5EF4-FFF2-40B4-BE49-F238E27FC236}">
-                <a16:creationId xmlns="" xmlns:a16="http://schemas.microsoft.com/office/drawing/2014/main" id="{2DD7BC93-A7C1-4D1E-A4D7-13CA29EA4F30}"/>
+                <a16:creationId xmlns:a16="http://schemas.microsoft.com/office/drawing/2014/main" id="{2DD7BC93-A7C1-4D1E-A4D7-13CA29EA4F30}"/>
               </a:ext>
             </a:extLst>
           </p:cNvPr>
@@ -10206,7 +10081,7 @@
           <p:cNvPr id="3" name="Espaço Reservado para Texto 2">
             <a:extLst>
               <a:ext uri="{FF2B5EF4-FFF2-40B4-BE49-F238E27FC236}">
-                <a16:creationId xmlns="" xmlns:a16="http://schemas.microsoft.com/office/drawing/2014/main" id="{72908049-A6C0-4B7F-A845-BA297829D8A2}"/>
+                <a16:creationId xmlns:a16="http://schemas.microsoft.com/office/drawing/2014/main" id="{72908049-A6C0-4B7F-A845-BA297829D8A2}"/>
               </a:ext>
             </a:extLst>
           </p:cNvPr>
@@ -10235,25 +10110,8 @@
                 <a:latin typeface="Aharoni" panose="02010803020104030203" pitchFamily="2" charset="-79"/>
                 <a:cs typeface="Aharoni" panose="02010803020104030203" pitchFamily="2" charset="-79"/>
               </a:rPr>
-              <a:t>O nosso </a:t>
+              <a:t>O nosso sistema até agora</a:t>
             </a:r>
-            <a:r>
-              <a:rPr lang="pt-BR" dirty="0" smtClean="0">
-                <a:solidFill>
-                  <a:srgbClr val="003B4C"/>
-                </a:solidFill>
-                <a:latin typeface="Aharoni" panose="02010803020104030203" pitchFamily="2" charset="-79"/>
-                <a:cs typeface="Aharoni" panose="02010803020104030203" pitchFamily="2" charset="-79"/>
-              </a:rPr>
-              <a:t>sistema até agora</a:t>
-            </a:r>
-            <a:endParaRPr lang="pt-BR" dirty="0">
-              <a:solidFill>
-                <a:srgbClr val="003B4C"/>
-              </a:solidFill>
-              <a:latin typeface="Aharoni" panose="02010803020104030203" pitchFamily="2" charset="-79"/>
-              <a:cs typeface="Aharoni" panose="02010803020104030203" pitchFamily="2" charset="-79"/>
-            </a:endParaRPr>
           </a:p>
         </p:txBody>
       </p:sp>
@@ -10262,7 +10120,7 @@
           <p:cNvPr id="4" name="Imagem 3" descr="Uma imagem contendo Logotipo&#10;&#10;Descrição gerada automaticamente">
             <a:extLst>
               <a:ext uri="{FF2B5EF4-FFF2-40B4-BE49-F238E27FC236}">
-                <a16:creationId xmlns:lc="http://schemas.openxmlformats.org/drawingml/2006/lockedCanvas" xmlns:a16="http://schemas.microsoft.com/office/drawing/2014/main" xmlns="" id="{302F9E5B-A502-4EE2-B089-0D6436A8E6DE}"/>
+                <a16:creationId xmlns:a16="http://schemas.microsoft.com/office/drawing/2014/main" id="{302F9E5B-A502-4EE2-B089-0D6436A8E6DE}"/>
               </a:ext>
             </a:extLst>
           </p:cNvPr>
@@ -10335,7 +10193,7 @@
           <p:cNvPr id="2" name="Título 1">
             <a:extLst>
               <a:ext uri="{FF2B5EF4-FFF2-40B4-BE49-F238E27FC236}">
-                <a16:creationId xmlns="" xmlns:a16="http://schemas.microsoft.com/office/drawing/2014/main" id="{2DD7BC93-A7C1-4D1E-A4D7-13CA29EA4F30}"/>
+                <a16:creationId xmlns:a16="http://schemas.microsoft.com/office/drawing/2014/main" id="{2DD7BC93-A7C1-4D1E-A4D7-13CA29EA4F30}"/>
               </a:ext>
             </a:extLst>
           </p:cNvPr>
@@ -10357,7 +10215,7 @@
           <a:lstStyle/>
           <a:p>
             <a:r>
-              <a:rPr lang="pt-BR" dirty="0" err="1" smtClean="0">
+              <a:rPr lang="pt-BR" dirty="0" err="1">
                 <a:solidFill>
                   <a:srgbClr val="003B4C"/>
                 </a:solidFill>
@@ -10381,7 +10239,7 @@
           <p:cNvPr id="4" name="Imagem 3" descr="Uma imagem contendo Logotipo&#10;&#10;Descrição gerada automaticamente">
             <a:extLst>
               <a:ext uri="{FF2B5EF4-FFF2-40B4-BE49-F238E27FC236}">
-                <a16:creationId xmlns:lc="http://schemas.openxmlformats.org/drawingml/2006/lockedCanvas" xmlns:a16="http://schemas.microsoft.com/office/drawing/2014/main" xmlns="" id="{302F9E5B-A502-4EE2-B089-0D6436A8E6DE}"/>
+                <a16:creationId xmlns:a16="http://schemas.microsoft.com/office/drawing/2014/main" id="{302F9E5B-A502-4EE2-B089-0D6436A8E6DE}"/>
               </a:ext>
             </a:extLst>
           </p:cNvPr>
@@ -10454,7 +10312,7 @@
           <p:cNvPr id="2" name="Título 1">
             <a:extLst>
               <a:ext uri="{FF2B5EF4-FFF2-40B4-BE49-F238E27FC236}">
-                <a16:creationId xmlns="" xmlns:a16="http://schemas.microsoft.com/office/drawing/2014/main" id="{2DD7BC93-A7C1-4D1E-A4D7-13CA29EA4F30}"/>
+                <a16:creationId xmlns:a16="http://schemas.microsoft.com/office/drawing/2014/main" id="{2DD7BC93-A7C1-4D1E-A4D7-13CA29EA4F30}"/>
               </a:ext>
             </a:extLst>
           </p:cNvPr>
@@ -10493,7 +10351,7 @@
           <p:cNvPr id="3" name="Espaço Reservado para Texto 2">
             <a:extLst>
               <a:ext uri="{FF2B5EF4-FFF2-40B4-BE49-F238E27FC236}">
-                <a16:creationId xmlns="" xmlns:a16="http://schemas.microsoft.com/office/drawing/2014/main" id="{72908049-A6C0-4B7F-A845-BA297829D8A2}"/>
+                <a16:creationId xmlns:a16="http://schemas.microsoft.com/office/drawing/2014/main" id="{72908049-A6C0-4B7F-A845-BA297829D8A2}"/>
               </a:ext>
             </a:extLst>
           </p:cNvPr>
@@ -10506,7 +10364,7 @@
         </p:nvSpPr>
         <p:spPr>
           <a:xfrm>
-            <a:off x="959224" y="2862450"/>
+            <a:off x="1268506" y="2862450"/>
             <a:ext cx="9144000" cy="1655762"/>
           </a:xfrm>
         </p:spPr>
@@ -10524,17 +10382,7 @@
                 <a:latin typeface="Aharoni" panose="02010803020104030203" pitchFamily="2" charset="-79"/>
                 <a:cs typeface="Aharoni" panose="02010803020104030203" pitchFamily="2" charset="-79"/>
               </a:rPr>
-              <a:t>A equipe RGBA³ agradece</a:t>
-            </a:r>
-            <a:r>
-              <a:rPr lang="pt-BR" dirty="0" smtClean="0">
-                <a:solidFill>
-                  <a:srgbClr val="003B4C"/>
-                </a:solidFill>
-                <a:latin typeface="Aharoni" panose="02010803020104030203" pitchFamily="2" charset="-79"/>
-                <a:cs typeface="Aharoni" panose="02010803020104030203" pitchFamily="2" charset="-79"/>
-              </a:rPr>
-              <a:t>.</a:t>
+              <a:t>A equipe RGBA³ agradece.</a:t>
             </a:r>
           </a:p>
           <a:p>
@@ -10547,54 +10395,6 @@
             </a:endParaRPr>
           </a:p>
           <a:p>
-            <a:endParaRPr lang="pt-BR" dirty="0" smtClean="0">
-              <a:solidFill>
-                <a:srgbClr val="003B4C"/>
-              </a:solidFill>
-              <a:latin typeface="Aharoni" panose="02010803020104030203" pitchFamily="2" charset="-79"/>
-              <a:cs typeface="Aharoni" panose="02010803020104030203" pitchFamily="2" charset="-79"/>
-            </a:endParaRPr>
-          </a:p>
-          <a:p>
-            <a:endParaRPr lang="pt-BR" dirty="0" smtClean="0">
-              <a:solidFill>
-                <a:srgbClr val="003B4C"/>
-              </a:solidFill>
-              <a:latin typeface="Aharoni" panose="02010803020104030203" pitchFamily="2" charset="-79"/>
-              <a:cs typeface="Aharoni" panose="02010803020104030203" pitchFamily="2" charset="-79"/>
-            </a:endParaRPr>
-          </a:p>
-          <a:p>
-            <a:r>
-              <a:rPr lang="pt-BR" dirty="0" smtClean="0">
-                <a:solidFill>
-                  <a:srgbClr val="003B4C"/>
-                </a:solidFill>
-                <a:latin typeface="Aharoni" panose="02010803020104030203" pitchFamily="2" charset="-79"/>
-                <a:cs typeface="Aharoni" panose="02010803020104030203" pitchFamily="2" charset="-79"/>
-              </a:rPr>
-              <a:t>Link </a:t>
-            </a:r>
-            <a:r>
-              <a:rPr lang="pt-BR" dirty="0" err="1" smtClean="0">
-                <a:solidFill>
-                  <a:srgbClr val="003B4C"/>
-                </a:solidFill>
-                <a:latin typeface="Aharoni" panose="02010803020104030203" pitchFamily="2" charset="-79"/>
-                <a:cs typeface="Aharoni" panose="02010803020104030203" pitchFamily="2" charset="-79"/>
-              </a:rPr>
-              <a:t>github</a:t>
-            </a:r>
-            <a:r>
-              <a:rPr lang="pt-BR" dirty="0">
-                <a:solidFill>
-                  <a:srgbClr val="003B4C"/>
-                </a:solidFill>
-                <a:latin typeface="Aharoni" panose="02010803020104030203" pitchFamily="2" charset="-79"/>
-                <a:cs typeface="Aharoni" panose="02010803020104030203" pitchFamily="2" charset="-79"/>
-              </a:rPr>
-              <a:t>: https://github.com/Syank/PI-JornadaDeMotoristas</a:t>
-            </a:r>
             <a:endParaRPr lang="pt-BR" dirty="0">
               <a:solidFill>
                 <a:srgbClr val="003B4C"/>
@@ -10602,6 +10402,27 @@
               <a:latin typeface="Aharoni" panose="02010803020104030203" pitchFamily="2" charset="-79"/>
               <a:cs typeface="Aharoni" panose="02010803020104030203" pitchFamily="2" charset="-79"/>
             </a:endParaRPr>
+          </a:p>
+          <a:p>
+            <a:endParaRPr lang="pt-BR" dirty="0">
+              <a:solidFill>
+                <a:srgbClr val="003B4C"/>
+              </a:solidFill>
+              <a:latin typeface="Aharoni" panose="02010803020104030203" pitchFamily="2" charset="-79"/>
+              <a:cs typeface="Aharoni" panose="02010803020104030203" pitchFamily="2" charset="-79"/>
+            </a:endParaRPr>
+          </a:p>
+          <a:p>
+            <a:r>
+              <a:rPr lang="pt-BR" dirty="0">
+                <a:solidFill>
+                  <a:srgbClr val="003B4C"/>
+                </a:solidFill>
+                <a:latin typeface="Aharoni" panose="02010803020104030203" pitchFamily="2" charset="-79"/>
+                <a:cs typeface="Aharoni" panose="02010803020104030203" pitchFamily="2" charset="-79"/>
+              </a:rPr>
+              <a:t>github.com/Syank/PI-JornadaDeMotoristas</a:t>
+            </a:r>
           </a:p>
         </p:txBody>
       </p:sp>
